--- a/Report_joggin.pptx
+++ b/Report_joggin.pptx
@@ -128,101 +128,6 @@
   </mc:AlternateContent>
   <c:chart>
     <c:title>
-      <c:tx>
-        <c:rich>
-          <a:bodyPr rot="0" spcFirstLastPara="1" vertOverflow="ellipsis" vert="horz" wrap="square" anchor="ctr" anchorCtr="1"/>
-          <a:lstStyle/>
-          <a:p>
-            <a:pPr>
-              <a:defRPr sz="1862" b="0" i="0" u="none" strike="noStrike" kern="1200" spc="0" baseline="0">
-                <a:solidFill>
-                  <a:schemeClr val="tx1">
-                    <a:lumMod val="65000"/>
-                    <a:lumOff val="35000"/>
-                  </a:schemeClr>
-                </a:solidFill>
-                <a:latin typeface="+mn-lt"/>
-                <a:ea typeface="+mn-ea"/>
-                <a:cs typeface="+mn-cs"/>
-              </a:defRPr>
-            </a:pPr>
-            <a:r>
-              <a:rPr lang="vi-VN" sz="2000" dirty="0" smtClean="0">
-                <a:solidFill>
-                  <a:schemeClr val="accent4"/>
-                </a:solidFill>
-                <a:latin typeface="+mj-lt"/>
-              </a:rPr>
-              <a:t>Thành tích Đạt được</a:t>
-            </a:r>
-            <a:r>
-              <a:rPr lang="en-US" sz="2000" dirty="0" smtClean="0">
-                <a:solidFill>
-                  <a:schemeClr val="accent4"/>
-                </a:solidFill>
-                <a:latin typeface="+mj-lt"/>
-              </a:rPr>
-              <a:t> </a:t>
-            </a:r>
-            <a:r>
-              <a:rPr lang="en-US" sz="2000" dirty="0" err="1" smtClean="0">
-                <a:solidFill>
-                  <a:schemeClr val="accent4"/>
-                </a:solidFill>
-                <a:latin typeface="Times New Roman" panose="02020603050405020304" pitchFamily="18" charset="0"/>
-                <a:cs typeface="Times New Roman" panose="02020603050405020304" pitchFamily="18" charset="0"/>
-              </a:rPr>
-              <a:t>trong</a:t>
-            </a:r>
-            <a:r>
-              <a:rPr lang="en-US" sz="2000" dirty="0" smtClean="0">
-                <a:solidFill>
-                  <a:schemeClr val="accent4"/>
-                </a:solidFill>
-                <a:latin typeface="Times New Roman" panose="02020603050405020304" pitchFamily="18" charset="0"/>
-                <a:cs typeface="Times New Roman" panose="02020603050405020304" pitchFamily="18" charset="0"/>
-              </a:rPr>
-              <a:t> </a:t>
-            </a:r>
-            <a:r>
-              <a:rPr lang="en-US" sz="2000" dirty="0" err="1" smtClean="0">
-                <a:solidFill>
-                  <a:schemeClr val="accent4"/>
-                </a:solidFill>
-                <a:latin typeface="Times New Roman" panose="02020603050405020304" pitchFamily="18" charset="0"/>
-                <a:cs typeface="Times New Roman" panose="02020603050405020304" pitchFamily="18" charset="0"/>
-              </a:rPr>
-              <a:t>tuần</a:t>
-            </a:r>
-            <a:r>
-              <a:rPr lang="en-US" sz="2000" baseline="0" dirty="0" smtClean="0">
-                <a:solidFill>
-                  <a:schemeClr val="accent4"/>
-                </a:solidFill>
-                <a:latin typeface="Times New Roman" panose="02020603050405020304" pitchFamily="18" charset="0"/>
-                <a:cs typeface="Times New Roman" panose="02020603050405020304" pitchFamily="18" charset="0"/>
-              </a:rPr>
-              <a:t> </a:t>
-            </a:r>
-            <a:r>
-              <a:rPr lang="en-US" sz="2000" baseline="0" dirty="0" err="1" smtClean="0">
-                <a:solidFill>
-                  <a:schemeClr val="accent4"/>
-                </a:solidFill>
-                <a:latin typeface="Times New Roman" panose="02020603050405020304" pitchFamily="18" charset="0"/>
-                <a:cs typeface="Times New Roman" panose="02020603050405020304" pitchFamily="18" charset="0"/>
-              </a:rPr>
-              <a:t>này</a:t>
-            </a:r>
-            <a:endParaRPr lang="vi-VN" sz="2000" dirty="0">
-              <a:solidFill>
-                <a:schemeClr val="accent4"/>
-              </a:solidFill>
-              <a:latin typeface="+mj-lt"/>
-            </a:endParaRPr>
-          </a:p>
-        </c:rich>
-      </c:tx>
       <c:layout/>
       <c:overlay val="0"/>
       <c:spPr>
@@ -260,10 +165,10 @@
           <c:layoutTarget val="inner"/>
           <c:xMode val="edge"/>
           <c:yMode val="edge"/>
-          <c:x val="3.6981914370078743E-2"/>
-          <c:y val="0.1055508670305815"/>
-          <c:w val="0.94583058562992128"/>
-          <c:h val="0.76748654235442038"/>
+          <c:x val="4.7293061023622046E-2"/>
+          <c:y val="5.3419964725641936E-2"/>
+          <c:w val="0.93239443897637797"/>
+          <c:h val="0.78422940549769893"/>
         </c:manualLayout>
       </c:layout>
       <c:barChart>
@@ -279,16 +184,14 @@
               <c:strCache>
                 <c:ptCount val="1"/>
                 <c:pt idx="0">
-                  <c:v>Thành tích Đạt được km/ngày</c:v>
+                  <c:v>Series 1</c:v>
                 </c:pt>
               </c:strCache>
             </c:strRef>
           </c:tx>
           <c:spPr>
             <a:solidFill>
-              <a:schemeClr val="accent1">
-                <a:lumMod val="75000"/>
-              </a:schemeClr>
+              <a:schemeClr val="accent1"/>
             </a:solidFill>
             <a:ln>
               <a:noFill/>
@@ -296,388 +199,56 @@
             <a:effectLst/>
           </c:spPr>
           <c:invertIfNegative val="0"/>
-          <c:dLbls>
-            <c:dLbl>
-              <c:idx val="0"/>
-              <c:layout/>
-              <c:tx>
-                <c:rich>
-                  <a:bodyPr/>
-                  <a:lstStyle/>
-                  <a:p>
-                    <a:fld id="{B127CAFD-8083-40F8-996C-D04CD6DDDC5D}" type="VALUE">
-                      <a:rPr lang="en-US" smtClean="0"/>
-                      <a:pPr/>
-                      <a:t>[VALUE]</a:t>
-                    </a:fld>
-                    <a:r>
-                      <a:rPr lang="en-US" smtClean="0"/>
-                      <a:t>km</a:t>
-                    </a:r>
-                  </a:p>
-                </c:rich>
-              </c:tx>
-              <c:showLegendKey val="0"/>
-              <c:showVal val="1"/>
-              <c:showCatName val="0"/>
-              <c:showSerName val="0"/>
-              <c:showPercent val="0"/>
-              <c:showBubbleSize val="0"/>
-              <c:extLst>
-                <c:ext xmlns:c15="http://schemas.microsoft.com/office/drawing/2012/chart" uri="{CE6537A1-D6FC-4f65-9D91-7224C49458BB}">
-                  <c15:layout/>
-                  <c15:dlblFieldTable/>
-                  <c15:showDataLabelsRange val="0"/>
-                </c:ext>
-                <c:ext xmlns:c16="http://schemas.microsoft.com/office/drawing/2014/chart" uri="{C3380CC4-5D6E-409C-BE32-E72D297353CC}">
-                  <c16:uniqueId val="{00000003-DA93-42C1-9F04-CB7AF86002E8}"/>
-                </c:ext>
-              </c:extLst>
-            </c:dLbl>
-            <c:dLbl>
-              <c:idx val="1"/>
-              <c:layout/>
-              <c:tx>
-                <c:rich>
-                  <a:bodyPr/>
-                  <a:lstStyle/>
-                  <a:p>
-                    <a:fld id="{6060AE2D-5A52-45B9-9CC6-A70C77069259}" type="VALUE">
-                      <a:rPr lang="en-US" smtClean="0"/>
-                      <a:pPr/>
-                      <a:t>[VALUE]</a:t>
-                    </a:fld>
-                    <a:r>
-                      <a:rPr lang="en-US" smtClean="0"/>
-                      <a:t>km</a:t>
-                    </a:r>
-                  </a:p>
-                </c:rich>
-              </c:tx>
-              <c:showLegendKey val="0"/>
-              <c:showVal val="1"/>
-              <c:showCatName val="0"/>
-              <c:showSerName val="0"/>
-              <c:showPercent val="0"/>
-              <c:showBubbleSize val="0"/>
-              <c:extLst>
-                <c:ext xmlns:c15="http://schemas.microsoft.com/office/drawing/2012/chart" uri="{CE6537A1-D6FC-4f65-9D91-7224C49458BB}">
-                  <c15:layout/>
-                  <c15:dlblFieldTable/>
-                  <c15:showDataLabelsRange val="0"/>
-                </c:ext>
-                <c:ext xmlns:c16="http://schemas.microsoft.com/office/drawing/2014/chart" uri="{C3380CC4-5D6E-409C-BE32-E72D297353CC}">
-                  <c16:uniqueId val="{00000004-DA93-42C1-9F04-CB7AF86002E8}"/>
-                </c:ext>
-              </c:extLst>
-            </c:dLbl>
-            <c:dLbl>
-              <c:idx val="2"/>
-              <c:layout/>
-              <c:tx>
-                <c:rich>
-                  <a:bodyPr/>
-                  <a:lstStyle/>
-                  <a:p>
-                    <a:fld id="{0AA1ECE8-5341-49BF-9B81-EAA94D1EF649}" type="VALUE">
-                      <a:rPr lang="en-US" smtClean="0"/>
-                      <a:pPr/>
-                      <a:t>[VALUE]</a:t>
-                    </a:fld>
-                    <a:r>
-                      <a:rPr lang="en-US" smtClean="0"/>
-                      <a:t>km</a:t>
-                    </a:r>
-                  </a:p>
-                </c:rich>
-              </c:tx>
-              <c:showLegendKey val="0"/>
-              <c:showVal val="1"/>
-              <c:showCatName val="0"/>
-              <c:showSerName val="0"/>
-              <c:showPercent val="0"/>
-              <c:showBubbleSize val="0"/>
-              <c:extLst>
-                <c:ext xmlns:c15="http://schemas.microsoft.com/office/drawing/2012/chart" uri="{CE6537A1-D6FC-4f65-9D91-7224C49458BB}">
-                  <c15:layout/>
-                  <c15:dlblFieldTable/>
-                  <c15:showDataLabelsRange val="0"/>
-                </c:ext>
-                <c:ext xmlns:c16="http://schemas.microsoft.com/office/drawing/2014/chart" uri="{C3380CC4-5D6E-409C-BE32-E72D297353CC}">
-                  <c16:uniqueId val="{00000005-DA93-42C1-9F04-CB7AF86002E8}"/>
-                </c:ext>
-              </c:extLst>
-            </c:dLbl>
-            <c:dLbl>
-              <c:idx val="3"/>
-              <c:layout/>
-              <c:tx>
-                <c:rich>
-                  <a:bodyPr/>
-                  <a:lstStyle/>
-                  <a:p>
-                    <a:fld id="{DB0E0D7A-53FA-4622-9638-A43EBF65F147}" type="VALUE">
-                      <a:rPr lang="en-US" smtClean="0"/>
-                      <a:pPr/>
-                      <a:t>[VALUE]</a:t>
-                    </a:fld>
-                    <a:r>
-                      <a:rPr lang="en-US" smtClean="0"/>
-                      <a:t>km</a:t>
-                    </a:r>
-                  </a:p>
-                </c:rich>
-              </c:tx>
-              <c:showLegendKey val="0"/>
-              <c:showVal val="1"/>
-              <c:showCatName val="0"/>
-              <c:showSerName val="0"/>
-              <c:showPercent val="0"/>
-              <c:showBubbleSize val="0"/>
-              <c:extLst>
-                <c:ext xmlns:c15="http://schemas.microsoft.com/office/drawing/2012/chart" uri="{CE6537A1-D6FC-4f65-9D91-7224C49458BB}">
-                  <c15:layout/>
-                  <c15:dlblFieldTable/>
-                  <c15:showDataLabelsRange val="0"/>
-                </c:ext>
-                <c:ext xmlns:c16="http://schemas.microsoft.com/office/drawing/2014/chart" uri="{C3380CC4-5D6E-409C-BE32-E72D297353CC}">
-                  <c16:uniqueId val="{00000002-DA93-42C1-9F04-CB7AF86002E8}"/>
-                </c:ext>
-              </c:extLst>
-            </c:dLbl>
-            <c:dLbl>
-              <c:idx val="4"/>
-              <c:layout/>
-              <c:tx>
-                <c:rich>
-                  <a:bodyPr/>
-                  <a:lstStyle/>
-                  <a:p>
-                    <a:fld id="{3128125B-8648-4C0D-A275-5E2C6F8D9E1E}" type="VALUE">
-                      <a:rPr lang="en-US" smtClean="0"/>
-                      <a:pPr/>
-                      <a:t>[VALUE]</a:t>
-                    </a:fld>
-                    <a:r>
-                      <a:rPr lang="en-US" dirty="0" smtClean="0"/>
-                      <a:t>km</a:t>
-                    </a:r>
-                  </a:p>
-                </c:rich>
-              </c:tx>
-              <c:showLegendKey val="0"/>
-              <c:showVal val="1"/>
-              <c:showCatName val="0"/>
-              <c:showSerName val="0"/>
-              <c:showPercent val="0"/>
-              <c:showBubbleSize val="0"/>
-              <c:extLst>
-                <c:ext xmlns:c15="http://schemas.microsoft.com/office/drawing/2012/chart" uri="{CE6537A1-D6FC-4f65-9D91-7224C49458BB}">
-                  <c15:layout/>
-                  <c15:dlblFieldTable/>
-                  <c15:showDataLabelsRange val="0"/>
-                </c:ext>
-                <c:ext xmlns:c16="http://schemas.microsoft.com/office/drawing/2014/chart" uri="{C3380CC4-5D6E-409C-BE32-E72D297353CC}">
-                  <c16:uniqueId val="{00000006-DA93-42C1-9F04-CB7AF86002E8}"/>
-                </c:ext>
-              </c:extLst>
-            </c:dLbl>
-            <c:dLbl>
-              <c:idx val="5"/>
-              <c:layout/>
-              <c:tx>
-                <c:rich>
-                  <a:bodyPr/>
-                  <a:lstStyle/>
-                  <a:p>
-                    <a:fld id="{CEC187B4-E2D7-40F2-873A-5DED5C0A1A89}" type="VALUE">
-                      <a:rPr lang="en-US" smtClean="0"/>
-                      <a:pPr/>
-                      <a:t>[VALUE]</a:t>
-                    </a:fld>
-                    <a:r>
-                      <a:rPr lang="en-US" smtClean="0"/>
-                      <a:t>km</a:t>
-                    </a:r>
-                  </a:p>
-                </c:rich>
-              </c:tx>
-              <c:showLegendKey val="0"/>
-              <c:showVal val="1"/>
-              <c:showCatName val="0"/>
-              <c:showSerName val="0"/>
-              <c:showPercent val="0"/>
-              <c:showBubbleSize val="0"/>
-              <c:extLst>
-                <c:ext xmlns:c15="http://schemas.microsoft.com/office/drawing/2012/chart" uri="{CE6537A1-D6FC-4f65-9D91-7224C49458BB}">
-                  <c15:layout/>
-                  <c15:dlblFieldTable/>
-                  <c15:showDataLabelsRange val="0"/>
-                </c:ext>
-                <c:ext xmlns:c16="http://schemas.microsoft.com/office/drawing/2014/chart" uri="{C3380CC4-5D6E-409C-BE32-E72D297353CC}">
-                  <c16:uniqueId val="{00000001-DA93-42C1-9F04-CB7AF86002E8}"/>
-                </c:ext>
-              </c:extLst>
-            </c:dLbl>
-            <c:dLbl>
-              <c:idx val="6"/>
-              <c:layout/>
-              <c:tx>
-                <c:rich>
-                  <a:bodyPr/>
-                  <a:lstStyle/>
-                  <a:p>
-                    <a:fld id="{C85EAB08-0C7D-477E-976D-A89F7AB6C516}" type="VALUE">
-                      <a:rPr lang="en-US" smtClean="0"/>
-                      <a:pPr/>
-                      <a:t>[VALUE]</a:t>
-                    </a:fld>
-                    <a:r>
-                      <a:rPr lang="en-US" smtClean="0"/>
-                      <a:t>km</a:t>
-                    </a:r>
-                  </a:p>
-                </c:rich>
-              </c:tx>
-              <c:showLegendKey val="0"/>
-              <c:showVal val="1"/>
-              <c:showCatName val="0"/>
-              <c:showSerName val="0"/>
-              <c:showPercent val="0"/>
-              <c:showBubbleSize val="0"/>
-              <c:extLst>
-                <c:ext xmlns:c15="http://schemas.microsoft.com/office/drawing/2012/chart" uri="{CE6537A1-D6FC-4f65-9D91-7224C49458BB}">
-                  <c15:layout/>
-                  <c15:dlblFieldTable/>
-                  <c15:showDataLabelsRange val="0"/>
-                </c:ext>
-                <c:ext xmlns:c16="http://schemas.microsoft.com/office/drawing/2014/chart" uri="{C3380CC4-5D6E-409C-BE32-E72D297353CC}">
-                  <c16:uniqueId val="{00000000-DA93-42C1-9F04-CB7AF86002E8}"/>
-                </c:ext>
-              </c:extLst>
-            </c:dLbl>
-            <c:spPr>
-              <a:noFill/>
-              <a:ln>
-                <a:noFill/>
-              </a:ln>
-              <a:effectLst/>
-            </c:spPr>
-            <c:txPr>
-              <a:bodyPr rot="0" spcFirstLastPara="1" vertOverflow="ellipsis" vert="horz" wrap="square" lIns="38100" tIns="19050" rIns="38100" bIns="19050" anchor="ctr" anchorCtr="1">
-                <a:spAutoFit/>
-              </a:bodyPr>
-              <a:lstStyle/>
-              <a:p>
-                <a:pPr>
-                  <a:defRPr sz="1197" b="0" i="0" u="none" strike="noStrike" kern="1200" baseline="0">
-                    <a:solidFill>
-                      <a:srgbClr val="92D050"/>
-                    </a:solidFill>
-                    <a:latin typeface="+mn-lt"/>
-                    <a:ea typeface="+mn-ea"/>
-                    <a:cs typeface="+mn-cs"/>
-                  </a:defRPr>
-                </a:pPr>
-                <a:endParaRPr lang="en-US"/>
-              </a:p>
-            </c:txPr>
-            <c:showLegendKey val="0"/>
-            <c:showVal val="1"/>
-            <c:showCatName val="0"/>
-            <c:showSerName val="0"/>
-            <c:showPercent val="0"/>
-            <c:showBubbleSize val="0"/>
-            <c:showLeaderLines val="0"/>
-            <c:extLst>
-              <c:ext xmlns:c15="http://schemas.microsoft.com/office/drawing/2012/chart" uri="{CE6537A1-D6FC-4f65-9D91-7224C49458BB}">
-                <c15:layout/>
-                <c15:showLeaderLines val="1"/>
-                <c15:leaderLines>
-                  <c:spPr>
-                    <a:ln w="9525" cap="flat" cmpd="sng" algn="ctr">
-                      <a:solidFill>
-                        <a:schemeClr val="tx1">
-                          <a:lumMod val="35000"/>
-                          <a:lumOff val="65000"/>
-                        </a:schemeClr>
-                      </a:solidFill>
-                      <a:round/>
-                    </a:ln>
-                    <a:effectLst/>
-                  </c:spPr>
-                </c15:leaderLines>
-              </c:ext>
-            </c:extLst>
-          </c:dLbls>
           <c:cat>
             <c:strRef>
-              <c:f>Sheet1!$A$2:$A$8</c:f>
+              <c:f>Sheet1!$A$2:$A$5</c:f>
               <c:strCache>
-                <c:ptCount val="7"/>
+                <c:ptCount val="4"/>
                 <c:pt idx="0">
-                  <c:v>Monday</c:v>
+                  <c:v>Category 1</c:v>
                 </c:pt>
                 <c:pt idx="1">
-                  <c:v>Tuesday</c:v>
+                  <c:v>Category 2</c:v>
                 </c:pt>
                 <c:pt idx="2">
-                  <c:v>Wednesday</c:v>
+                  <c:v>Category 3</c:v>
                 </c:pt>
                 <c:pt idx="3">
-                  <c:v>Thursday</c:v>
-                </c:pt>
-                <c:pt idx="4">
-                  <c:v>Friday </c:v>
-                </c:pt>
-                <c:pt idx="5">
-                  <c:v>Saturday </c:v>
-                </c:pt>
-                <c:pt idx="6">
-                  <c:v>Sunday</c:v>
+                  <c:v>Category 4</c:v>
                 </c:pt>
               </c:strCache>
             </c:strRef>
           </c:cat>
           <c:val>
             <c:numRef>
-              <c:f>Sheet1!$B$2:$B$8</c:f>
+              <c:f>Sheet1!$B$2:$B$5</c:f>
               <c:numCache>
                 <c:formatCode>General</c:formatCode>
-                <c:ptCount val="7"/>
+                <c:ptCount val="4"/>
                 <c:pt idx="0">
-                  <c:v>2</c:v>
+                  <c:v>4.3</c:v>
                 </c:pt>
                 <c:pt idx="1">
-                  <c:v>0</c:v>
+                  <c:v>2.5</c:v>
                 </c:pt>
                 <c:pt idx="2">
-                  <c:v>1</c:v>
+                  <c:v>3.5</c:v>
                 </c:pt>
                 <c:pt idx="3">
-                  <c:v>0</c:v>
-                </c:pt>
-                <c:pt idx="4">
-                  <c:v>1.5</c:v>
-                </c:pt>
-                <c:pt idx="5">
-                  <c:v>2</c:v>
-                </c:pt>
-                <c:pt idx="6">
-                  <c:v>0</c:v>
+                  <c:v>4.5</c:v>
                 </c:pt>
               </c:numCache>
             </c:numRef>
           </c:val>
           <c:extLst>
             <c:ext xmlns:c16="http://schemas.microsoft.com/office/drawing/2014/chart" uri="{C3380CC4-5D6E-409C-BE32-E72D297353CC}">
-              <c16:uniqueId val="{00000000-C026-4FF1-92A4-6C051C81BDE1}"/>
+              <c16:uniqueId val="{00000000-D8D1-4019-ADE5-B5DA3175B29A}"/>
             </c:ext>
           </c:extLst>
         </c:ser>
         <c:dLbls>
           <c:showLegendKey val="0"/>
-          <c:showVal val="1"/>
+          <c:showVal val="0"/>
           <c:showCatName val="0"/>
           <c:showSerName val="0"/>
           <c:showPercent val="0"/>
@@ -685,8 +256,8 @@
         </c:dLbls>
         <c:gapWidth val="219"/>
         <c:overlap val="-27"/>
-        <c:axId val="1906892752"/>
-        <c:axId val="1906894416"/>
+        <c:axId val="1164403711"/>
+        <c:axId val="1164400799"/>
         <c:extLst>
           <c:ext xmlns:c15="http://schemas.microsoft.com/office/drawing/2012/chart" uri="{02D57815-91ED-43cb-92C2-25804820EDAC}">
             <c15:filteredBarSeries>
@@ -720,94 +291,28 @@
                   <a:effectLst/>
                 </c:spPr>
                 <c:invertIfNegative val="0"/>
-                <c:dLbls>
-                  <c:spPr>
-                    <a:noFill/>
-                    <a:ln>
-                      <a:noFill/>
-                    </a:ln>
-                    <a:effectLst/>
-                  </c:spPr>
-                  <c:txPr>
-                    <a:bodyPr rot="0" spcFirstLastPara="1" vertOverflow="ellipsis" vert="horz" wrap="square" lIns="38100" tIns="19050" rIns="38100" bIns="19050" anchor="ctr" anchorCtr="1">
-                      <a:spAutoFit/>
-                    </a:bodyPr>
-                    <a:lstStyle/>
-                    <a:p>
-                      <a:pPr>
-                        <a:defRPr sz="1197" b="0" i="0" u="none" strike="noStrike" kern="1200" baseline="0">
-                          <a:solidFill>
-                            <a:schemeClr val="tx1">
-                              <a:lumMod val="75000"/>
-                              <a:lumOff val="25000"/>
-                            </a:schemeClr>
-                          </a:solidFill>
-                          <a:latin typeface="+mn-lt"/>
-                          <a:ea typeface="+mn-ea"/>
-                          <a:cs typeface="+mn-cs"/>
-                        </a:defRPr>
-                      </a:pPr>
-                      <a:endParaRPr lang="en-US"/>
-                    </a:p>
-                  </c:txPr>
-                  <c:showLegendKey val="0"/>
-                  <c:showVal val="1"/>
-                  <c:showCatName val="0"/>
-                  <c:showSerName val="0"/>
-                  <c:showPercent val="0"/>
-                  <c:showBubbleSize val="0"/>
-                  <c:showLeaderLines val="0"/>
-                  <c:extLst>
-                    <c:ext uri="{CE6537A1-D6FC-4f65-9D91-7224C49458BB}">
-                      <c15:showLeaderLines val="1"/>
-                      <c15:leaderLines>
-                        <c:spPr>
-                          <a:ln w="9525" cap="flat" cmpd="sng" algn="ctr">
-                            <a:solidFill>
-                              <a:schemeClr val="tx1">
-                                <a:lumMod val="35000"/>
-                                <a:lumOff val="65000"/>
-                              </a:schemeClr>
-                            </a:solidFill>
-                            <a:round/>
-                          </a:ln>
-                          <a:effectLst/>
-                        </c:spPr>
-                      </c15:leaderLines>
-                    </c:ext>
-                  </c:extLst>
-                </c:dLbls>
                 <c:cat>
                   <c:strRef>
                     <c:extLst>
                       <c:ext uri="{02D57815-91ED-43cb-92C2-25804820EDAC}">
                         <c15:formulaRef>
-                          <c15:sqref>Sheet1!$A$2:$A$8</c15:sqref>
+                          <c15:sqref>Sheet1!$A$2:$A$5</c15:sqref>
                         </c15:formulaRef>
                       </c:ext>
                     </c:extLst>
                     <c:strCache>
-                      <c:ptCount val="7"/>
+                      <c:ptCount val="4"/>
                       <c:pt idx="0">
-                        <c:v>Monday</c:v>
+                        <c:v>Category 1</c:v>
                       </c:pt>
                       <c:pt idx="1">
-                        <c:v>Tuesday</c:v>
+                        <c:v>Category 2</c:v>
                       </c:pt>
                       <c:pt idx="2">
-                        <c:v>Wednesday</c:v>
+                        <c:v>Category 3</c:v>
                       </c:pt>
                       <c:pt idx="3">
-                        <c:v>Thursday</c:v>
-                      </c:pt>
-                      <c:pt idx="4">
-                        <c:v>Friday </c:v>
-                      </c:pt>
-                      <c:pt idx="5">
-                        <c:v>Saturday </c:v>
-                      </c:pt>
-                      <c:pt idx="6">
-                        <c:v>Sunday</c:v>
+                        <c:v>Category 4</c:v>
                       </c:pt>
                     </c:strCache>
                   </c:strRef>
@@ -817,13 +322,13 @@
                     <c:extLst>
                       <c:ext uri="{02D57815-91ED-43cb-92C2-25804820EDAC}">
                         <c15:formulaRef>
-                          <c15:sqref>Sheet1!$C$2:$C$8</c15:sqref>
+                          <c15:sqref>Sheet1!$C$2:$C$5</c15:sqref>
                         </c15:formulaRef>
                       </c:ext>
                     </c:extLst>
                     <c:numCache>
                       <c:formatCode>General</c:formatCode>
-                      <c:ptCount val="7"/>
+                      <c:ptCount val="4"/>
                       <c:pt idx="0">
                         <c:v>2.4</c:v>
                       </c:pt>
@@ -841,39 +346,19 @@
                 </c:val>
                 <c:extLst>
                   <c:ext xmlns:c16="http://schemas.microsoft.com/office/drawing/2014/chart" uri="{C3380CC4-5D6E-409C-BE32-E72D297353CC}">
-                    <c16:uniqueId val="{00000001-C026-4FF1-92A4-6C051C81BDE1}"/>
+                    <c16:uniqueId val="{00000001-D8D1-4019-ADE5-B5DA3175B29A}"/>
                   </c:ext>
                 </c:extLst>
               </c15:ser>
             </c15:filteredBarSeries>
-          </c:ext>
-        </c:extLst>
-      </c:barChart>
-      <c:lineChart>
-        <c:grouping val="standard"/>
-        <c:varyColors val="0"/>
-        <c:dLbls>
-          <c:showLegendKey val="0"/>
-          <c:showVal val="1"/>
-          <c:showCatName val="0"/>
-          <c:showSerName val="0"/>
-          <c:showPercent val="0"/>
-          <c:showBubbleSize val="0"/>
-        </c:dLbls>
-        <c:marker val="1"/>
-        <c:smooth val="0"/>
-        <c:axId val="1906892752"/>
-        <c:axId val="1906894416"/>
-        <c:extLst>
-          <c:ext xmlns:c15="http://schemas.microsoft.com/office/drawing/2012/chart" uri="{02D57815-91ED-43cb-92C2-25804820EDAC}">
-            <c15:filteredLineSeries>
+            <c15:filteredBarSeries>
               <c15:ser>
                 <c:idx val="2"/>
                 <c:order val="2"/>
                 <c:tx>
                   <c:strRef>
                     <c:extLst>
-                      <c:ext uri="{02D57815-91ED-43cb-92C2-25804820EDAC}">
+                      <c:ext xmlns:c15="http://schemas.microsoft.com/office/drawing/2012/chart" uri="{02D57815-91ED-43cb-92C2-25804820EDAC}">
                         <c15:formulaRef>
                           <c15:sqref>Sheet1!$D$1</c15:sqref>
                         </c15:formulaRef>
@@ -888,105 +373,37 @@
                   </c:strRef>
                 </c:tx>
                 <c:spPr>
-                  <a:ln w="28575" cap="rnd">
-                    <a:solidFill>
-                      <a:schemeClr val="accent3"/>
-                    </a:solidFill>
-                    <a:round/>
+                  <a:solidFill>
+                    <a:schemeClr val="accent3"/>
+                  </a:solidFill>
+                  <a:ln>
+                    <a:noFill/>
                   </a:ln>
                   <a:effectLst/>
                 </c:spPr>
-                <c:marker>
-                  <c:symbol val="none"/>
-                </c:marker>
-                <c:dLbls>
-                  <c:spPr>
-                    <a:noFill/>
-                    <a:ln>
-                      <a:noFill/>
-                    </a:ln>
-                    <a:effectLst/>
-                  </c:spPr>
-                  <c:txPr>
-                    <a:bodyPr rot="0" spcFirstLastPara="1" vertOverflow="ellipsis" vert="horz" wrap="square" lIns="38100" tIns="19050" rIns="38100" bIns="19050" anchor="ctr" anchorCtr="1">
-                      <a:spAutoFit/>
-                    </a:bodyPr>
-                    <a:lstStyle/>
-                    <a:p>
-                      <a:pPr>
-                        <a:defRPr sz="1197" b="0" i="0" u="none" strike="noStrike" kern="1200" baseline="0">
-                          <a:solidFill>
-                            <a:schemeClr val="tx1">
-                              <a:lumMod val="75000"/>
-                              <a:lumOff val="25000"/>
-                            </a:schemeClr>
-                          </a:solidFill>
-                          <a:latin typeface="+mn-lt"/>
-                          <a:ea typeface="+mn-ea"/>
-                          <a:cs typeface="+mn-cs"/>
-                        </a:defRPr>
-                      </a:pPr>
-                      <a:endParaRPr lang="en-US"/>
-                    </a:p>
-                  </c:txPr>
-                  <c:showLegendKey val="0"/>
-                  <c:showVal val="1"/>
-                  <c:showCatName val="0"/>
-                  <c:showSerName val="0"/>
-                  <c:showPercent val="0"/>
-                  <c:showBubbleSize val="0"/>
-                  <c:showLeaderLines val="0"/>
-                  <c:extLst>
-                    <c:ext uri="{CE6537A1-D6FC-4f65-9D91-7224C49458BB}">
-                      <c15:showLeaderLines val="1"/>
-                      <c15:leaderLines>
-                        <c:spPr>
-                          <a:ln w="9525" cap="flat" cmpd="sng" algn="ctr">
-                            <a:solidFill>
-                              <a:schemeClr val="tx1">
-                                <a:lumMod val="35000"/>
-                                <a:lumOff val="65000"/>
-                              </a:schemeClr>
-                            </a:solidFill>
-                            <a:round/>
-                          </a:ln>
-                          <a:effectLst/>
-                        </c:spPr>
-                      </c15:leaderLines>
-                    </c:ext>
-                  </c:extLst>
-                </c:dLbls>
+                <c:invertIfNegative val="0"/>
                 <c:cat>
                   <c:strRef>
                     <c:extLst>
-                      <c:ext uri="{02D57815-91ED-43cb-92C2-25804820EDAC}">
+                      <c:ext xmlns:c15="http://schemas.microsoft.com/office/drawing/2012/chart" uri="{02D57815-91ED-43cb-92C2-25804820EDAC}">
                         <c15:formulaRef>
-                          <c15:sqref>Sheet1!$A$2:$A$8</c15:sqref>
+                          <c15:sqref>Sheet1!$A$2:$A$5</c15:sqref>
                         </c15:formulaRef>
                       </c:ext>
                     </c:extLst>
                     <c:strCache>
-                      <c:ptCount val="7"/>
+                      <c:ptCount val="4"/>
                       <c:pt idx="0">
-                        <c:v>Monday</c:v>
+                        <c:v>Category 1</c:v>
                       </c:pt>
                       <c:pt idx="1">
-                        <c:v>Tuesday</c:v>
+                        <c:v>Category 2</c:v>
                       </c:pt>
                       <c:pt idx="2">
-                        <c:v>Wednesday</c:v>
+                        <c:v>Category 3</c:v>
                       </c:pt>
                       <c:pt idx="3">
-                        <c:v>Thursday</c:v>
-                      </c:pt>
-                      <c:pt idx="4">
-                        <c:v>Friday </c:v>
-                      </c:pt>
-                      <c:pt idx="5">
-                        <c:v>Saturday </c:v>
-                      </c:pt>
-                      <c:pt idx="6">
-                        <c:v>Sunday</c:v>
+                        <c:v>Category 4</c:v>
                       </c:pt>
                     </c:strCache>
                   </c:strRef>
@@ -994,15 +411,15 @@
                 <c:val>
                   <c:numRef>
                     <c:extLst>
-                      <c:ext uri="{02D57815-91ED-43cb-92C2-25804820EDAC}">
+                      <c:ext xmlns:c15="http://schemas.microsoft.com/office/drawing/2012/chart" uri="{02D57815-91ED-43cb-92C2-25804820EDAC}">
                         <c15:formulaRef>
-                          <c15:sqref>Sheet1!$D$2:$D$8</c15:sqref>
+                          <c15:sqref>Sheet1!$D$2:$D$5</c15:sqref>
                         </c15:formulaRef>
                       </c:ext>
                     </c:extLst>
                     <c:numCache>
                       <c:formatCode>General</c:formatCode>
-                      <c:ptCount val="7"/>
+                      <c:ptCount val="4"/>
                       <c:pt idx="0">
                         <c:v>2</c:v>
                       </c:pt>
@@ -1018,174 +435,25 @@
                     </c:numCache>
                   </c:numRef>
                 </c:val>
-                <c:smooth val="0"/>
                 <c:extLst>
                   <c:ext xmlns:c16="http://schemas.microsoft.com/office/drawing/2014/chart" uri="{C3380CC4-5D6E-409C-BE32-E72D297353CC}">
-                    <c16:uniqueId val="{00000002-C026-4FF1-92A4-6C051C81BDE1}"/>
+                    <c16:uniqueId val="{00000002-D8D1-4019-ADE5-B5DA3175B29A}"/>
                   </c:ext>
                 </c:extLst>
               </c15:ser>
-            </c15:filteredLineSeries>
-            <c15:filteredLineSeries>
-              <c15:ser>
-                <c:idx val="3"/>
-                <c:order val="3"/>
-                <c:tx>
-                  <c:strRef>
-                    <c:extLst>
-                      <c:ext xmlns:c15="http://schemas.microsoft.com/office/drawing/2012/chart" uri="{02D57815-91ED-43cb-92C2-25804820EDAC}">
-                        <c15:formulaRef>
-                          <c15:sqref>Sheet1!$E$1</c15:sqref>
-                        </c15:formulaRef>
-                      </c:ext>
-                    </c:extLst>
-                    <c:strCache>
-                      <c:ptCount val="1"/>
-                      <c:pt idx="0">
-                        <c:v>Column1</c:v>
-                      </c:pt>
-                    </c:strCache>
-                  </c:strRef>
-                </c:tx>
-                <c:spPr>
-                  <a:ln w="28575" cap="rnd">
-                    <a:solidFill>
-                      <a:schemeClr val="accent4"/>
-                    </a:solidFill>
-                    <a:round/>
-                  </a:ln>
-                  <a:effectLst/>
-                </c:spPr>
-                <c:marker>
-                  <c:symbol val="none"/>
-                </c:marker>
-                <c:dLbls>
-                  <c:spPr>
-                    <a:noFill/>
-                    <a:ln>
-                      <a:noFill/>
-                    </a:ln>
-                    <a:effectLst/>
-                  </c:spPr>
-                  <c:txPr>
-                    <a:bodyPr rot="0" spcFirstLastPara="1" vertOverflow="ellipsis" vert="horz" wrap="square" lIns="38100" tIns="19050" rIns="38100" bIns="19050" anchor="ctr" anchorCtr="1">
-                      <a:spAutoFit/>
-                    </a:bodyPr>
-                    <a:lstStyle/>
-                    <a:p>
-                      <a:pPr>
-                        <a:defRPr sz="1197" b="0" i="0" u="none" strike="noStrike" kern="1200" baseline="0">
-                          <a:solidFill>
-                            <a:schemeClr val="tx1">
-                              <a:lumMod val="75000"/>
-                              <a:lumOff val="25000"/>
-                            </a:schemeClr>
-                          </a:solidFill>
-                          <a:latin typeface="+mn-lt"/>
-                          <a:ea typeface="+mn-ea"/>
-                          <a:cs typeface="+mn-cs"/>
-                        </a:defRPr>
-                      </a:pPr>
-                      <a:endParaRPr lang="en-US"/>
-                    </a:p>
-                  </c:txPr>
-                  <c:showLegendKey val="0"/>
-                  <c:showVal val="1"/>
-                  <c:showCatName val="0"/>
-                  <c:showSerName val="0"/>
-                  <c:showPercent val="0"/>
-                  <c:showBubbleSize val="0"/>
-                  <c:showLeaderLines val="0"/>
-                  <c:extLst xmlns:c15="http://schemas.microsoft.com/office/drawing/2012/chart">
-                    <c:ext xmlns:c15="http://schemas.microsoft.com/office/drawing/2012/chart" uri="{CE6537A1-D6FC-4f65-9D91-7224C49458BB}">
-                      <c15:showLeaderLines val="1"/>
-                      <c15:leaderLines>
-                        <c:spPr>
-                          <a:ln w="9525" cap="flat" cmpd="sng" algn="ctr">
-                            <a:solidFill>
-                              <a:schemeClr val="tx1">
-                                <a:lumMod val="35000"/>
-                                <a:lumOff val="65000"/>
-                              </a:schemeClr>
-                            </a:solidFill>
-                            <a:round/>
-                          </a:ln>
-                          <a:effectLst/>
-                        </c:spPr>
-                      </c15:leaderLines>
-                    </c:ext>
-                  </c:extLst>
-                </c:dLbls>
-                <c:cat>
-                  <c:strRef>
-                    <c:extLst>
-                      <c:ext xmlns:c15="http://schemas.microsoft.com/office/drawing/2012/chart" uri="{02D57815-91ED-43cb-92C2-25804820EDAC}">
-                        <c15:formulaRef>
-                          <c15:sqref>Sheet1!$A$2:$A$8</c15:sqref>
-                        </c15:formulaRef>
-                      </c:ext>
-                    </c:extLst>
-                    <c:strCache>
-                      <c:ptCount val="7"/>
-                      <c:pt idx="0">
-                        <c:v>Monday</c:v>
-                      </c:pt>
-                      <c:pt idx="1">
-                        <c:v>Tuesday</c:v>
-                      </c:pt>
-                      <c:pt idx="2">
-                        <c:v>Wednesday</c:v>
-                      </c:pt>
-                      <c:pt idx="3">
-                        <c:v>Thursday</c:v>
-                      </c:pt>
-                      <c:pt idx="4">
-                        <c:v>Friday </c:v>
-                      </c:pt>
-                      <c:pt idx="5">
-                        <c:v>Saturday </c:v>
-                      </c:pt>
-                      <c:pt idx="6">
-                        <c:v>Sunday</c:v>
-                      </c:pt>
-                    </c:strCache>
-                  </c:strRef>
-                </c:cat>
-                <c:val>
-                  <c:numRef>
-                    <c:extLst>
-                      <c:ext xmlns:c15="http://schemas.microsoft.com/office/drawing/2012/chart" uri="{02D57815-91ED-43cb-92C2-25804820EDAC}">
-                        <c15:formulaRef>
-                          <c15:sqref>Sheet1!$E$2:$E$8</c15:sqref>
-                        </c15:formulaRef>
-                      </c:ext>
-                    </c:extLst>
-                    <c:numCache>
-                      <c:formatCode>General</c:formatCode>
-                      <c:ptCount val="7"/>
-                    </c:numCache>
-                  </c:numRef>
-                </c:val>
-                <c:smooth val="0"/>
-                <c:extLst xmlns:c15="http://schemas.microsoft.com/office/drawing/2012/chart">
-                  <c:ext xmlns:c16="http://schemas.microsoft.com/office/drawing/2014/chart" uri="{C3380CC4-5D6E-409C-BE32-E72D297353CC}">
-                    <c16:uniqueId val="{00000003-C026-4FF1-92A4-6C051C81BDE1}"/>
-                  </c:ext>
-                </c:extLst>
-              </c15:ser>
-            </c15:filteredLineSeries>
+            </c15:filteredBarSeries>
           </c:ext>
         </c:extLst>
-      </c:lineChart>
+      </c:barChart>
       <c:catAx>
-        <c:axId val="1906892752"/>
+        <c:axId val="1164403711"/>
         <c:scaling>
           <c:orientation val="minMax"/>
         </c:scaling>
         <c:delete val="0"/>
         <c:axPos val="b"/>
         <c:numFmt formatCode="General" sourceLinked="1"/>
-        <c:majorTickMark val="out"/>
+        <c:majorTickMark val="none"/>
         <c:minorTickMark val="none"/>
         <c:tickLblPos val="nextTo"/>
         <c:spPr>
@@ -1208,7 +476,10 @@
             <a:pPr>
               <a:defRPr sz="1197" b="0" i="0" u="none" strike="noStrike" kern="1200" baseline="0">
                 <a:solidFill>
-                  <a:srgbClr val="92D050"/>
+                  <a:schemeClr val="tx1">
+                    <a:lumMod val="65000"/>
+                    <a:lumOff val="35000"/>
+                  </a:schemeClr>
                 </a:solidFill>
                 <a:latin typeface="+mn-lt"/>
                 <a:ea typeface="+mn-ea"/>
@@ -1218,7 +489,7 @@
             <a:endParaRPr lang="en-US"/>
           </a:p>
         </c:txPr>
-        <c:crossAx val="1906894416"/>
+        <c:crossAx val="1164400799"/>
         <c:crosses val="autoZero"/>
         <c:auto val="1"/>
         <c:lblAlgn val="ctr"/>
@@ -1226,7 +497,7 @@
         <c:noMultiLvlLbl val="0"/>
       </c:catAx>
       <c:valAx>
-        <c:axId val="1906894416"/>
+        <c:axId val="1164400799"/>
         <c:scaling>
           <c:orientation val="minMax"/>
         </c:scaling>
@@ -1247,7 +518,7 @@
           </c:spPr>
         </c:majorGridlines>
         <c:numFmt formatCode="General" sourceLinked="1"/>
-        <c:majorTickMark val="out"/>
+        <c:majorTickMark val="none"/>
         <c:minorTickMark val="none"/>
         <c:tickLblPos val="nextTo"/>
         <c:spPr>
@@ -1264,7 +535,10 @@
             <a:pPr>
               <a:defRPr sz="1197" b="0" i="0" u="none" strike="noStrike" kern="1200" baseline="0">
                 <a:solidFill>
-                  <a:srgbClr val="92D050"/>
+                  <a:schemeClr val="tx1">
+                    <a:lumMod val="65000"/>
+                    <a:lumOff val="35000"/>
+                  </a:schemeClr>
                 </a:solidFill>
                 <a:latin typeface="+mn-lt"/>
                 <a:ea typeface="+mn-ea"/>
@@ -1274,7 +548,7 @@
             <a:endParaRPr lang="en-US"/>
           </a:p>
         </c:txPr>
-        <c:crossAx val="1906892752"/>
+        <c:crossAx val="1164403711"/>
         <c:crosses val="autoZero"/>
         <c:crossBetween val="between"/>
       </c:valAx>
@@ -1288,16 +562,7 @@
     </c:plotArea>
     <c:legend>
       <c:legendPos val="b"/>
-      <c:layout>
-        <c:manualLayout>
-          <c:xMode val="edge"/>
-          <c:yMode val="edge"/>
-          <c:x val="0.26283046259842519"/>
-          <c:y val="0.93797515145330024"/>
-          <c:w val="0.40715145177165346"/>
-          <c:h val="4.7962349411764922E-2"/>
-        </c:manualLayout>
-      </c:layout>
+      <c:layout/>
       <c:overlay val="0"/>
       <c:spPr>
         <a:noFill/>
@@ -1313,7 +578,10 @@
           <a:pPr>
             <a:defRPr sz="1197" b="0" i="0" u="none" strike="noStrike" kern="1200" baseline="0">
               <a:solidFill>
-                <a:schemeClr val="accent4"/>
+                <a:schemeClr val="tx1">
+                  <a:lumMod val="65000"/>
+                  <a:lumOff val="35000"/>
+                </a:schemeClr>
               </a:solidFill>
               <a:latin typeface="+mn-lt"/>
               <a:ea typeface="+mn-ea"/>
@@ -1944,7 +1212,7 @@
           <a:noFill/>
           <a:extLst>
             <a:ext uri="{909E8E84-426E-40dd-AFC4-6F175D3DCCD1}">
-              <a14:hiddenFill xmlns:a14="http://schemas.microsoft.com/office/drawing/2010/main" xmlns="">
+              <a14:hiddenFill xmlns="" xmlns:a14="http://schemas.microsoft.com/office/drawing/2010/main">
                 <a:solidFill>
                   <a:srgbClr val="FFFFFF"/>
                 </a:solidFill>
@@ -2004,7 +1272,7 @@
             </a:ln>
             <a:extLst>
               <a:ext uri="{91240B29-F687-4f45-9708-019B960494DF}">
-                <a14:hiddenLine xmlns:a14="http://schemas.microsoft.com/office/drawing/2010/main" xmlns="" w="9525">
+                <a14:hiddenLine xmlns="" xmlns:a14="http://schemas.microsoft.com/office/drawing/2010/main" w="9525">
                   <a:solidFill>
                     <a:srgbClr val="000000"/>
                   </a:solidFill>
@@ -2094,7 +1362,7 @@
             </a:ln>
             <a:extLst>
               <a:ext uri="{91240B29-F687-4f45-9708-019B960494DF}">
-                <a14:hiddenLine xmlns:a14="http://schemas.microsoft.com/office/drawing/2010/main" xmlns="" w="9525">
+                <a14:hiddenLine xmlns="" xmlns:a14="http://schemas.microsoft.com/office/drawing/2010/main" w="9525">
                   <a:solidFill>
                     <a:srgbClr val="000000"/>
                   </a:solidFill>
@@ -2184,7 +1452,7 @@
             </a:ln>
             <a:extLst>
               <a:ext uri="{91240B29-F687-4f45-9708-019B960494DF}">
-                <a14:hiddenLine xmlns:a14="http://schemas.microsoft.com/office/drawing/2010/main" xmlns="" w="9525">
+                <a14:hiddenLine xmlns="" xmlns:a14="http://schemas.microsoft.com/office/drawing/2010/main" w="9525">
                   <a:solidFill>
                     <a:srgbClr val="000000"/>
                   </a:solidFill>
@@ -2218,7 +1486,7 @@
             </a:ln>
             <a:extLst>
               <a:ext uri="{91240B29-F687-4f45-9708-019B960494DF}">
-                <a14:hiddenLine xmlns:a14="http://schemas.microsoft.com/office/drawing/2010/main" xmlns="" w="9525">
+                <a14:hiddenLine xmlns="" xmlns:a14="http://schemas.microsoft.com/office/drawing/2010/main" w="9525">
                   <a:solidFill>
                     <a:srgbClr val="000000"/>
                   </a:solidFill>
@@ -2308,7 +1576,7 @@
             </a:ln>
             <a:extLst>
               <a:ext uri="{91240B29-F687-4f45-9708-019B960494DF}">
-                <a14:hiddenLine xmlns:a14="http://schemas.microsoft.com/office/drawing/2010/main" xmlns="" w="9525">
+                <a14:hiddenLine xmlns="" xmlns:a14="http://schemas.microsoft.com/office/drawing/2010/main" w="9525">
                   <a:solidFill>
                     <a:srgbClr val="000000"/>
                   </a:solidFill>
@@ -2370,7 +1638,7 @@
             </a:ln>
             <a:extLst>
               <a:ext uri="{91240B29-F687-4f45-9708-019B960494DF}">
-                <a14:hiddenLine xmlns:a14="http://schemas.microsoft.com/office/drawing/2010/main" xmlns="" w="9525">
+                <a14:hiddenLine xmlns="" xmlns:a14="http://schemas.microsoft.com/office/drawing/2010/main" w="9525">
                   <a:solidFill>
                     <a:srgbClr val="000000"/>
                   </a:solidFill>
@@ -2432,7 +1700,7 @@
             </a:ln>
             <a:extLst>
               <a:ext uri="{91240B29-F687-4f45-9708-019B960494DF}">
-                <a14:hiddenLine xmlns:a14="http://schemas.microsoft.com/office/drawing/2010/main" xmlns="" w="9525">
+                <a14:hiddenLine xmlns="" xmlns:a14="http://schemas.microsoft.com/office/drawing/2010/main" w="9525">
                   <a:solidFill>
                     <a:srgbClr val="000000"/>
                   </a:solidFill>
@@ -2522,7 +1790,7 @@
             </a:ln>
             <a:extLst>
               <a:ext uri="{91240B29-F687-4f45-9708-019B960494DF}">
-                <a14:hiddenLine xmlns:a14="http://schemas.microsoft.com/office/drawing/2010/main" xmlns="" w="9525">
+                <a14:hiddenLine xmlns="" xmlns:a14="http://schemas.microsoft.com/office/drawing/2010/main" w="9525">
                   <a:solidFill>
                     <a:srgbClr val="000000"/>
                   </a:solidFill>
@@ -2584,7 +1852,7 @@
             </a:ln>
             <a:extLst>
               <a:ext uri="{91240B29-F687-4f45-9708-019B960494DF}">
-                <a14:hiddenLine xmlns:a14="http://schemas.microsoft.com/office/drawing/2010/main" xmlns="" w="9525">
+                <a14:hiddenLine xmlns="" xmlns:a14="http://schemas.microsoft.com/office/drawing/2010/main" w="9525">
                   <a:solidFill>
                     <a:srgbClr val="000000"/>
                   </a:solidFill>
@@ -2646,7 +1914,7 @@
             </a:ln>
             <a:extLst>
               <a:ext uri="{91240B29-F687-4f45-9708-019B960494DF}">
-                <a14:hiddenLine xmlns:a14="http://schemas.microsoft.com/office/drawing/2010/main" xmlns="" w="9525">
+                <a14:hiddenLine xmlns="" xmlns:a14="http://schemas.microsoft.com/office/drawing/2010/main" w="9525">
                   <a:solidFill>
                     <a:srgbClr val="000000"/>
                   </a:solidFill>
@@ -2736,7 +2004,7 @@
             </a:ln>
             <a:extLst>
               <a:ext uri="{91240B29-F687-4f45-9708-019B960494DF}">
-                <a14:hiddenLine xmlns:a14="http://schemas.microsoft.com/office/drawing/2010/main" xmlns="" w="9525">
+                <a14:hiddenLine xmlns="" xmlns:a14="http://schemas.microsoft.com/office/drawing/2010/main" w="9525">
                   <a:solidFill>
                     <a:srgbClr val="000000"/>
                   </a:solidFill>
@@ -2826,7 +2094,7 @@
             </a:ln>
             <a:extLst>
               <a:ext uri="{91240B29-F687-4f45-9708-019B960494DF}">
-                <a14:hiddenLine xmlns:a14="http://schemas.microsoft.com/office/drawing/2010/main" xmlns="" w="9525">
+                <a14:hiddenLine xmlns="" xmlns:a14="http://schemas.microsoft.com/office/drawing/2010/main" w="9525">
                   <a:solidFill>
                     <a:srgbClr val="000000"/>
                   </a:solidFill>
@@ -2888,7 +2156,7 @@
             </a:ln>
             <a:extLst>
               <a:ext uri="{91240B29-F687-4f45-9708-019B960494DF}">
-                <a14:hiddenLine xmlns:a14="http://schemas.microsoft.com/office/drawing/2010/main" xmlns="" w="9525">
+                <a14:hiddenLine xmlns="" xmlns:a14="http://schemas.microsoft.com/office/drawing/2010/main" w="9525">
                   <a:solidFill>
                     <a:srgbClr val="000000"/>
                   </a:solidFill>
@@ -2998,7 +2266,7 @@
             </a:ln>
             <a:extLst>
               <a:ext uri="{91240B29-F687-4f45-9708-019B960494DF}">
-                <a14:hiddenLine xmlns:a14="http://schemas.microsoft.com/office/drawing/2010/main" xmlns="" w="9525">
+                <a14:hiddenLine xmlns="" xmlns:a14="http://schemas.microsoft.com/office/drawing/2010/main" w="9525">
                   <a:solidFill>
                     <a:srgbClr val="000000"/>
                   </a:solidFill>
@@ -3060,7 +2328,7 @@
             </a:ln>
             <a:extLst>
               <a:ext uri="{91240B29-F687-4f45-9708-019B960494DF}">
-                <a14:hiddenLine xmlns:a14="http://schemas.microsoft.com/office/drawing/2010/main" xmlns="" w="9525">
+                <a14:hiddenLine xmlns="" xmlns:a14="http://schemas.microsoft.com/office/drawing/2010/main" w="9525">
                   <a:solidFill>
                     <a:srgbClr val="000000"/>
                   </a:solidFill>
@@ -3150,7 +2418,7 @@
             </a:ln>
             <a:extLst>
               <a:ext uri="{91240B29-F687-4f45-9708-019B960494DF}">
-                <a14:hiddenLine xmlns:a14="http://schemas.microsoft.com/office/drawing/2010/main" xmlns="" w="9525">
+                <a14:hiddenLine xmlns="" xmlns:a14="http://schemas.microsoft.com/office/drawing/2010/main" w="9525">
                   <a:solidFill>
                     <a:srgbClr val="000000"/>
                   </a:solidFill>
@@ -3240,7 +2508,7 @@
             </a:ln>
             <a:extLst>
               <a:ext uri="{91240B29-F687-4f45-9708-019B960494DF}">
-                <a14:hiddenLine xmlns:a14="http://schemas.microsoft.com/office/drawing/2010/main" xmlns="" w="9525">
+                <a14:hiddenLine xmlns="" xmlns:a14="http://schemas.microsoft.com/office/drawing/2010/main" w="9525">
                   <a:solidFill>
                     <a:srgbClr val="000000"/>
                   </a:solidFill>
@@ -3302,7 +2570,7 @@
             </a:ln>
             <a:extLst>
               <a:ext uri="{91240B29-F687-4f45-9708-019B960494DF}">
-                <a14:hiddenLine xmlns:a14="http://schemas.microsoft.com/office/drawing/2010/main" xmlns="" w="9525">
+                <a14:hiddenLine xmlns="" xmlns:a14="http://schemas.microsoft.com/office/drawing/2010/main" w="9525">
                   <a:solidFill>
                     <a:srgbClr val="000000"/>
                   </a:solidFill>
@@ -3392,7 +2660,7 @@
             </a:ln>
             <a:extLst>
               <a:ext uri="{91240B29-F687-4f45-9708-019B960494DF}">
-                <a14:hiddenLine xmlns:a14="http://schemas.microsoft.com/office/drawing/2010/main" xmlns="" w="9525">
+                <a14:hiddenLine xmlns="" xmlns:a14="http://schemas.microsoft.com/office/drawing/2010/main" w="9525">
                   <a:solidFill>
                     <a:srgbClr val="000000"/>
                   </a:solidFill>
@@ -3482,7 +2750,7 @@
             </a:ln>
             <a:extLst>
               <a:ext uri="{91240B29-F687-4f45-9708-019B960494DF}">
-                <a14:hiddenLine xmlns:a14="http://schemas.microsoft.com/office/drawing/2010/main" xmlns="" w="9525">
+                <a14:hiddenLine xmlns="" xmlns:a14="http://schemas.microsoft.com/office/drawing/2010/main" w="9525">
                   <a:solidFill>
                     <a:srgbClr val="000000"/>
                   </a:solidFill>
@@ -3538,7 +2806,7 @@
             </a:ln>
             <a:extLst>
               <a:ext uri="{91240B29-F687-4f45-9708-019B960494DF}">
-                <a14:hiddenLine xmlns:a14="http://schemas.microsoft.com/office/drawing/2010/main" xmlns="" w="9525">
+                <a14:hiddenLine xmlns="" xmlns:a14="http://schemas.microsoft.com/office/drawing/2010/main" w="9525">
                   <a:solidFill>
                     <a:srgbClr val="000000"/>
                   </a:solidFill>
@@ -3628,7 +2896,7 @@
             </a:ln>
             <a:extLst>
               <a:ext uri="{91240B29-F687-4f45-9708-019B960494DF}">
-                <a14:hiddenLine xmlns:a14="http://schemas.microsoft.com/office/drawing/2010/main" xmlns="" w="9525">
+                <a14:hiddenLine xmlns="" xmlns:a14="http://schemas.microsoft.com/office/drawing/2010/main" w="9525">
                   <a:solidFill>
                     <a:srgbClr val="000000"/>
                   </a:solidFill>
@@ -3684,7 +2952,7 @@
             </a:ln>
             <a:extLst>
               <a:ext uri="{91240B29-F687-4f45-9708-019B960494DF}">
-                <a14:hiddenLine xmlns:a14="http://schemas.microsoft.com/office/drawing/2010/main" xmlns="" w="9525">
+                <a14:hiddenLine xmlns="" xmlns:a14="http://schemas.microsoft.com/office/drawing/2010/main" w="9525">
                   <a:solidFill>
                     <a:srgbClr val="000000"/>
                   </a:solidFill>
@@ -3774,7 +3042,7 @@
             </a:ln>
             <a:extLst>
               <a:ext uri="{91240B29-F687-4f45-9708-019B960494DF}">
-                <a14:hiddenLine xmlns:a14="http://schemas.microsoft.com/office/drawing/2010/main" xmlns="" w="9525">
+                <a14:hiddenLine xmlns="" xmlns:a14="http://schemas.microsoft.com/office/drawing/2010/main" w="9525">
                   <a:solidFill>
                     <a:srgbClr val="000000"/>
                   </a:solidFill>
@@ -3842,7 +3110,7 @@
             </a:ln>
             <a:extLst>
               <a:ext uri="{91240B29-F687-4f45-9708-019B960494DF}">
-                <a14:hiddenLine xmlns:a14="http://schemas.microsoft.com/office/drawing/2010/main" xmlns="" w="9525">
+                <a14:hiddenLine xmlns="" xmlns:a14="http://schemas.microsoft.com/office/drawing/2010/main" w="9525">
                   <a:solidFill>
                     <a:srgbClr val="000000"/>
                   </a:solidFill>
@@ -3932,7 +3200,7 @@
             </a:ln>
             <a:extLst>
               <a:ext uri="{91240B29-F687-4f45-9708-019B960494DF}">
-                <a14:hiddenLine xmlns:a14="http://schemas.microsoft.com/office/drawing/2010/main" xmlns="" w="9525">
+                <a14:hiddenLine xmlns="" xmlns:a14="http://schemas.microsoft.com/office/drawing/2010/main" w="9525">
                   <a:solidFill>
                     <a:srgbClr val="000000"/>
                   </a:solidFill>
@@ -4000,7 +3268,7 @@
             </a:ln>
             <a:extLst>
               <a:ext uri="{91240B29-F687-4f45-9708-019B960494DF}">
-                <a14:hiddenLine xmlns:a14="http://schemas.microsoft.com/office/drawing/2010/main" xmlns="" w="9525">
+                <a14:hiddenLine xmlns="" xmlns:a14="http://schemas.microsoft.com/office/drawing/2010/main" w="9525">
                   <a:solidFill>
                     <a:srgbClr val="000000"/>
                   </a:solidFill>
@@ -4090,7 +3358,7 @@
             </a:ln>
             <a:extLst>
               <a:ext uri="{91240B29-F687-4f45-9708-019B960494DF}">
-                <a14:hiddenLine xmlns:a14="http://schemas.microsoft.com/office/drawing/2010/main" xmlns="" w="9525">
+                <a14:hiddenLine xmlns="" xmlns:a14="http://schemas.microsoft.com/office/drawing/2010/main" w="9525">
                   <a:solidFill>
                     <a:srgbClr val="000000"/>
                   </a:solidFill>
@@ -4124,7 +3392,7 @@
             </a:ln>
             <a:extLst>
               <a:ext uri="{91240B29-F687-4f45-9708-019B960494DF}">
-                <a14:hiddenLine xmlns:a14="http://schemas.microsoft.com/office/drawing/2010/main" xmlns="" w="9525">
+                <a14:hiddenLine xmlns="" xmlns:a14="http://schemas.microsoft.com/office/drawing/2010/main" w="9525">
                   <a:solidFill>
                     <a:srgbClr val="000000"/>
                   </a:solidFill>
@@ -4214,7 +3482,7 @@
             </a:ln>
             <a:extLst>
               <a:ext uri="{91240B29-F687-4f45-9708-019B960494DF}">
-                <a14:hiddenLine xmlns:a14="http://schemas.microsoft.com/office/drawing/2010/main" xmlns="" w="9525">
+                <a14:hiddenLine xmlns="" xmlns:a14="http://schemas.microsoft.com/office/drawing/2010/main" w="9525">
                   <a:solidFill>
                     <a:srgbClr val="000000"/>
                   </a:solidFill>
@@ -4276,7 +3544,7 @@
             </a:ln>
             <a:extLst>
               <a:ext uri="{91240B29-F687-4f45-9708-019B960494DF}">
-                <a14:hiddenLine xmlns:a14="http://schemas.microsoft.com/office/drawing/2010/main" xmlns="" w="9525">
+                <a14:hiddenLine xmlns="" xmlns:a14="http://schemas.microsoft.com/office/drawing/2010/main" w="9525">
                   <a:solidFill>
                     <a:srgbClr val="000000"/>
                   </a:solidFill>
@@ -4338,7 +3606,7 @@
             </a:ln>
             <a:extLst>
               <a:ext uri="{91240B29-F687-4f45-9708-019B960494DF}">
-                <a14:hiddenLine xmlns:a14="http://schemas.microsoft.com/office/drawing/2010/main" xmlns="" w="9525">
+                <a14:hiddenLine xmlns="" xmlns:a14="http://schemas.microsoft.com/office/drawing/2010/main" w="9525">
                   <a:solidFill>
                     <a:srgbClr val="000000"/>
                   </a:solidFill>
@@ -4428,7 +3696,7 @@
             </a:ln>
             <a:extLst>
               <a:ext uri="{91240B29-F687-4f45-9708-019B960494DF}">
-                <a14:hiddenLine xmlns:a14="http://schemas.microsoft.com/office/drawing/2010/main" xmlns="" w="9525">
+                <a14:hiddenLine xmlns="" xmlns:a14="http://schemas.microsoft.com/office/drawing/2010/main" w="9525">
                   <a:solidFill>
                     <a:srgbClr val="000000"/>
                   </a:solidFill>
@@ -4496,7 +3764,7 @@
             </a:ln>
             <a:extLst>
               <a:ext uri="{91240B29-F687-4f45-9708-019B960494DF}">
-                <a14:hiddenLine xmlns:a14="http://schemas.microsoft.com/office/drawing/2010/main" xmlns="" w="9525">
+                <a14:hiddenLine xmlns="" xmlns:a14="http://schemas.microsoft.com/office/drawing/2010/main" w="9525">
                   <a:solidFill>
                     <a:srgbClr val="000000"/>
                   </a:solidFill>
@@ -4558,7 +3826,7 @@
             </a:ln>
             <a:extLst>
               <a:ext uri="{91240B29-F687-4f45-9708-019B960494DF}">
-                <a14:hiddenLine xmlns:a14="http://schemas.microsoft.com/office/drawing/2010/main" xmlns="" w="9525">
+                <a14:hiddenLine xmlns="" xmlns:a14="http://schemas.microsoft.com/office/drawing/2010/main" w="9525">
                   <a:solidFill>
                     <a:srgbClr val="000000"/>
                   </a:solidFill>
@@ -4648,7 +3916,7 @@
             </a:ln>
             <a:extLst>
               <a:ext uri="{91240B29-F687-4f45-9708-019B960494DF}">
-                <a14:hiddenLine xmlns:a14="http://schemas.microsoft.com/office/drawing/2010/main" xmlns="" w="9525">
+                <a14:hiddenLine xmlns="" xmlns:a14="http://schemas.microsoft.com/office/drawing/2010/main" w="9525">
                   <a:solidFill>
                     <a:srgbClr val="000000"/>
                   </a:solidFill>
@@ -4710,7 +3978,7 @@
             </a:ln>
             <a:extLst>
               <a:ext uri="{91240B29-F687-4f45-9708-019B960494DF}">
-                <a14:hiddenLine xmlns:a14="http://schemas.microsoft.com/office/drawing/2010/main" xmlns="" w="9525">
+                <a14:hiddenLine xmlns="" xmlns:a14="http://schemas.microsoft.com/office/drawing/2010/main" w="9525">
                   <a:solidFill>
                     <a:srgbClr val="000000"/>
                   </a:solidFill>
@@ -4800,7 +4068,7 @@
             </a:ln>
             <a:extLst>
               <a:ext uri="{91240B29-F687-4f45-9708-019B960494DF}">
-                <a14:hiddenLine xmlns:a14="http://schemas.microsoft.com/office/drawing/2010/main" xmlns="" w="9525">
+                <a14:hiddenLine xmlns="" xmlns:a14="http://schemas.microsoft.com/office/drawing/2010/main" w="9525">
                   <a:solidFill>
                     <a:srgbClr val="000000"/>
                   </a:solidFill>
@@ -4862,7 +4130,7 @@
             </a:ln>
             <a:extLst>
               <a:ext uri="{91240B29-F687-4f45-9708-019B960494DF}">
-                <a14:hiddenLine xmlns:a14="http://schemas.microsoft.com/office/drawing/2010/main" xmlns="" w="9525">
+                <a14:hiddenLine xmlns="" xmlns:a14="http://schemas.microsoft.com/office/drawing/2010/main" w="9525">
                   <a:solidFill>
                     <a:srgbClr val="000000"/>
                   </a:solidFill>
@@ -4952,7 +4220,7 @@
             </a:ln>
             <a:extLst>
               <a:ext uri="{91240B29-F687-4f45-9708-019B960494DF}">
-                <a14:hiddenLine xmlns:a14="http://schemas.microsoft.com/office/drawing/2010/main" xmlns="" w="9525">
+                <a14:hiddenLine xmlns="" xmlns:a14="http://schemas.microsoft.com/office/drawing/2010/main" w="9525">
                   <a:solidFill>
                     <a:srgbClr val="000000"/>
                   </a:solidFill>
@@ -4986,7 +4254,7 @@
             </a:ln>
             <a:extLst>
               <a:ext uri="{91240B29-F687-4f45-9708-019B960494DF}">
-                <a14:hiddenLine xmlns:a14="http://schemas.microsoft.com/office/drawing/2010/main" xmlns="" w="9525">
+                <a14:hiddenLine xmlns="" xmlns:a14="http://schemas.microsoft.com/office/drawing/2010/main" w="9525">
                   <a:solidFill>
                     <a:srgbClr val="000000"/>
                   </a:solidFill>
@@ -5051,7 +4319,7 @@
             </a:ln>
             <a:extLst>
               <a:ext uri="{91240B29-F687-4f45-9708-019B960494DF}">
-                <a14:hiddenLine xmlns:a14="http://schemas.microsoft.com/office/drawing/2010/main" xmlns="" w="9525">
+                <a14:hiddenLine xmlns="" xmlns:a14="http://schemas.microsoft.com/office/drawing/2010/main" w="9525">
                   <a:solidFill>
                     <a:srgbClr val="000000"/>
                   </a:solidFill>
@@ -5141,7 +4409,7 @@
             </a:ln>
             <a:extLst>
               <a:ext uri="{91240B29-F687-4f45-9708-019B960494DF}">
-                <a14:hiddenLine xmlns:a14="http://schemas.microsoft.com/office/drawing/2010/main" xmlns="" w="9525">
+                <a14:hiddenLine xmlns="" xmlns:a14="http://schemas.microsoft.com/office/drawing/2010/main" w="9525">
                   <a:solidFill>
                     <a:srgbClr val="000000"/>
                   </a:solidFill>
@@ -5203,7 +4471,7 @@
             </a:ln>
             <a:extLst>
               <a:ext uri="{91240B29-F687-4f45-9708-019B960494DF}">
-                <a14:hiddenLine xmlns:a14="http://schemas.microsoft.com/office/drawing/2010/main" xmlns="" w="9525">
+                <a14:hiddenLine xmlns="" xmlns:a14="http://schemas.microsoft.com/office/drawing/2010/main" w="9525">
                   <a:solidFill>
                     <a:srgbClr val="000000"/>
                   </a:solidFill>
@@ -5293,7 +4561,7 @@
             </a:ln>
             <a:extLst>
               <a:ext uri="{91240B29-F687-4f45-9708-019B960494DF}">
-                <a14:hiddenLine xmlns:a14="http://schemas.microsoft.com/office/drawing/2010/main" xmlns="" w="9525">
+                <a14:hiddenLine xmlns="" xmlns:a14="http://schemas.microsoft.com/office/drawing/2010/main" w="9525">
                   <a:solidFill>
                     <a:srgbClr val="000000"/>
                   </a:solidFill>
@@ -5383,7 +4651,7 @@
             </a:ln>
             <a:extLst>
               <a:ext uri="{91240B29-F687-4f45-9708-019B960494DF}">
-                <a14:hiddenLine xmlns:a14="http://schemas.microsoft.com/office/drawing/2010/main" xmlns="" w="9525">
+                <a14:hiddenLine xmlns="" xmlns:a14="http://schemas.microsoft.com/office/drawing/2010/main" w="9525">
                   <a:solidFill>
                     <a:srgbClr val="000000"/>
                   </a:solidFill>
@@ -5448,7 +4716,7 @@
             </a:ln>
             <a:extLst>
               <a:ext uri="{91240B29-F687-4f45-9708-019B960494DF}">
-                <a14:hiddenLine xmlns:a14="http://schemas.microsoft.com/office/drawing/2010/main" xmlns="" w="9525">
+                <a14:hiddenLine xmlns="" xmlns:a14="http://schemas.microsoft.com/office/drawing/2010/main" w="9525">
                   <a:solidFill>
                     <a:srgbClr val="000000"/>
                   </a:solidFill>
@@ -5510,7 +4778,7 @@
             </a:ln>
             <a:extLst>
               <a:ext uri="{91240B29-F687-4f45-9708-019B960494DF}">
-                <a14:hiddenLine xmlns:a14="http://schemas.microsoft.com/office/drawing/2010/main" xmlns="" w="9525">
+                <a14:hiddenLine xmlns="" xmlns:a14="http://schemas.microsoft.com/office/drawing/2010/main" w="9525">
                   <a:solidFill>
                     <a:srgbClr val="000000"/>
                   </a:solidFill>
@@ -5600,7 +4868,7 @@
             </a:ln>
             <a:extLst>
               <a:ext uri="{91240B29-F687-4f45-9708-019B960494DF}">
-                <a14:hiddenLine xmlns:a14="http://schemas.microsoft.com/office/drawing/2010/main" xmlns="" w="9525">
+                <a14:hiddenLine xmlns="" xmlns:a14="http://schemas.microsoft.com/office/drawing/2010/main" w="9525">
                   <a:solidFill>
                     <a:srgbClr val="000000"/>
                   </a:solidFill>
@@ -5690,7 +4958,7 @@
             </a:ln>
             <a:extLst>
               <a:ext uri="{91240B29-F687-4f45-9708-019B960494DF}">
-                <a14:hiddenLine xmlns:a14="http://schemas.microsoft.com/office/drawing/2010/main" xmlns="" w="9525">
+                <a14:hiddenLine xmlns="" xmlns:a14="http://schemas.microsoft.com/office/drawing/2010/main" w="9525">
                   <a:solidFill>
                     <a:srgbClr val="000000"/>
                   </a:solidFill>
@@ -5752,7 +5020,7 @@
             </a:ln>
             <a:extLst>
               <a:ext uri="{91240B29-F687-4f45-9708-019B960494DF}">
-                <a14:hiddenLine xmlns:a14="http://schemas.microsoft.com/office/drawing/2010/main" xmlns="" w="9525">
+                <a14:hiddenLine xmlns="" xmlns:a14="http://schemas.microsoft.com/office/drawing/2010/main" w="9525">
                   <a:solidFill>
                     <a:srgbClr val="000000"/>
                   </a:solidFill>
@@ -5872,7 +5140,7 @@
             </a:ln>
             <a:extLst>
               <a:ext uri="{91240B29-F687-4f45-9708-019B960494DF}">
-                <a14:hiddenLine xmlns:a14="http://schemas.microsoft.com/office/drawing/2010/main" xmlns="" w="9525">
+                <a14:hiddenLine xmlns="" xmlns:a14="http://schemas.microsoft.com/office/drawing/2010/main" w="9525">
                   <a:solidFill>
                     <a:srgbClr val="000000"/>
                   </a:solidFill>
@@ -5940,7 +5208,7 @@
             </a:ln>
             <a:extLst>
               <a:ext uri="{91240B29-F687-4f45-9708-019B960494DF}">
-                <a14:hiddenLine xmlns:a14="http://schemas.microsoft.com/office/drawing/2010/main" xmlns="" w="9525">
+                <a14:hiddenLine xmlns="" xmlns:a14="http://schemas.microsoft.com/office/drawing/2010/main" w="9525">
                   <a:solidFill>
                     <a:srgbClr val="000000"/>
                   </a:solidFill>
@@ -6030,7 +5298,7 @@
             </a:ln>
             <a:extLst>
               <a:ext uri="{91240B29-F687-4f45-9708-019B960494DF}">
-                <a14:hiddenLine xmlns:a14="http://schemas.microsoft.com/office/drawing/2010/main" xmlns="" w="9525">
+                <a14:hiddenLine xmlns="" xmlns:a14="http://schemas.microsoft.com/office/drawing/2010/main" w="9525">
                   <a:solidFill>
                     <a:srgbClr val="000000"/>
                   </a:solidFill>
@@ -6170,7 +5438,7 @@
           <a:p>
             <a:fld id="{5AC81717-1A04-4B1F-9D2B-633764D48F6F}" type="datetimeFigureOut">
               <a:rPr lang="en-US" smtClean="0"/>
-              <a:t>3/4/2023</a:t>
+              <a:t>3/8/2023</a:t>
             </a:fld>
             <a:endParaRPr lang="en-US"/>
           </a:p>
@@ -6437,7 +5705,7 @@
           <a:p>
             <a:fld id="{5AC81717-1A04-4B1F-9D2B-633764D48F6F}" type="datetimeFigureOut">
               <a:rPr lang="en-US" smtClean="0"/>
-              <a:t>3/4/2023</a:t>
+              <a:t>3/8/2023</a:t>
             </a:fld>
             <a:endParaRPr lang="en-US"/>
           </a:p>
@@ -6633,7 +5901,7 @@
           <a:p>
             <a:fld id="{5AC81717-1A04-4B1F-9D2B-633764D48F6F}" type="datetimeFigureOut">
               <a:rPr lang="en-US" smtClean="0"/>
-              <a:t>3/4/2023</a:t>
+              <a:t>3/8/2023</a:t>
             </a:fld>
             <a:endParaRPr lang="en-US"/>
           </a:p>
@@ -6896,7 +6164,7 @@
           <a:p>
             <a:fld id="{5AC81717-1A04-4B1F-9D2B-633764D48F6F}" type="datetimeFigureOut">
               <a:rPr lang="en-US" smtClean="0"/>
-              <a:t>3/4/2023</a:t>
+              <a:t>3/8/2023</a:t>
             </a:fld>
             <a:endParaRPr lang="en-US"/>
           </a:p>
@@ -7330,7 +6598,7 @@
           <a:p>
             <a:fld id="{5AC81717-1A04-4B1F-9D2B-633764D48F6F}" type="datetimeFigureOut">
               <a:rPr lang="en-US" smtClean="0"/>
-              <a:t>3/4/2023</a:t>
+              <a:t>3/8/2023</a:t>
             </a:fld>
             <a:endParaRPr lang="en-US"/>
           </a:p>
@@ -7876,7 +7144,7 @@
           <a:p>
             <a:fld id="{5AC81717-1A04-4B1F-9D2B-633764D48F6F}" type="datetimeFigureOut">
               <a:rPr lang="en-US" smtClean="0"/>
-              <a:t>3/4/2023</a:t>
+              <a:t>3/8/2023</a:t>
             </a:fld>
             <a:endParaRPr lang="en-US"/>
           </a:p>
@@ -8596,7 +7864,7 @@
           <a:p>
             <a:fld id="{5AC81717-1A04-4B1F-9D2B-633764D48F6F}" type="datetimeFigureOut">
               <a:rPr lang="en-US" smtClean="0"/>
-              <a:t>3/4/2023</a:t>
+              <a:t>3/8/2023</a:t>
             </a:fld>
             <a:endParaRPr lang="en-US"/>
           </a:p>
@@ -8766,7 +8034,7 @@
           <a:p>
             <a:fld id="{5AC81717-1A04-4B1F-9D2B-633764D48F6F}" type="datetimeFigureOut">
               <a:rPr lang="en-US" smtClean="0"/>
-              <a:t>3/4/2023</a:t>
+              <a:t>3/8/2023</a:t>
             </a:fld>
             <a:endParaRPr lang="en-US"/>
           </a:p>
@@ -8946,7 +8214,7 @@
           <a:p>
             <a:fld id="{5AC81717-1A04-4B1F-9D2B-633764D48F6F}" type="datetimeFigureOut">
               <a:rPr lang="en-US" smtClean="0"/>
-              <a:t>3/4/2023</a:t>
+              <a:t>3/8/2023</a:t>
             </a:fld>
             <a:endParaRPr lang="en-US"/>
           </a:p>
@@ -9116,7 +8384,7 @@
           <a:p>
             <a:fld id="{5AC81717-1A04-4B1F-9D2B-633764D48F6F}" type="datetimeFigureOut">
               <a:rPr lang="en-US" smtClean="0"/>
-              <a:t>3/4/2023</a:t>
+              <a:t>3/8/2023</a:t>
             </a:fld>
             <a:endParaRPr lang="en-US"/>
           </a:p>
@@ -9366,7 +8634,7 @@
           <a:p>
             <a:fld id="{5AC81717-1A04-4B1F-9D2B-633764D48F6F}" type="datetimeFigureOut">
               <a:rPr lang="en-US" smtClean="0"/>
-              <a:t>3/4/2023</a:t>
+              <a:t>3/8/2023</a:t>
             </a:fld>
             <a:endParaRPr lang="en-US"/>
           </a:p>
@@ -9598,7 +8866,7 @@
           <a:p>
             <a:fld id="{5AC81717-1A04-4B1F-9D2B-633764D48F6F}" type="datetimeFigureOut">
               <a:rPr lang="en-US" smtClean="0"/>
-              <a:t>3/4/2023</a:t>
+              <a:t>3/8/2023</a:t>
             </a:fld>
             <a:endParaRPr lang="en-US"/>
           </a:p>
@@ -9979,7 +9247,7 @@
           <a:p>
             <a:fld id="{5AC81717-1A04-4B1F-9D2B-633764D48F6F}" type="datetimeFigureOut">
               <a:rPr lang="en-US" smtClean="0"/>
-              <a:t>3/4/2023</a:t>
+              <a:t>3/8/2023</a:t>
             </a:fld>
             <a:endParaRPr lang="en-US"/>
           </a:p>
@@ -10097,7 +9365,7 @@
           <a:p>
             <a:fld id="{5AC81717-1A04-4B1F-9D2B-633764D48F6F}" type="datetimeFigureOut">
               <a:rPr lang="en-US" smtClean="0"/>
-              <a:t>3/4/2023</a:t>
+              <a:t>3/8/2023</a:t>
             </a:fld>
             <a:endParaRPr lang="en-US"/>
           </a:p>
@@ -10192,7 +9460,7 @@
           <a:p>
             <a:fld id="{5AC81717-1A04-4B1F-9D2B-633764D48F6F}" type="datetimeFigureOut">
               <a:rPr lang="en-US" smtClean="0"/>
-              <a:t>3/4/2023</a:t>
+              <a:t>3/8/2023</a:t>
             </a:fld>
             <a:endParaRPr lang="en-US"/>
           </a:p>
@@ -10441,7 +9709,7 @@
           <a:p>
             <a:fld id="{5AC81717-1A04-4B1F-9D2B-633764D48F6F}" type="datetimeFigureOut">
               <a:rPr lang="en-US" smtClean="0"/>
-              <a:t>3/4/2023</a:t>
+              <a:t>3/8/2023</a:t>
             </a:fld>
             <a:endParaRPr lang="en-US"/>
           </a:p>
@@ -10721,7 +9989,7 @@
           <a:p>
             <a:fld id="{5AC81717-1A04-4B1F-9D2B-633764D48F6F}" type="datetimeFigureOut">
               <a:rPr lang="en-US" smtClean="0"/>
-              <a:t>3/4/2023</a:t>
+              <a:t>3/8/2023</a:t>
             </a:fld>
             <a:endParaRPr lang="en-US"/>
           </a:p>
@@ -10837,7 +10105,7 @@
           <a:noFill/>
           <a:extLst>
             <a:ext uri="{909E8E84-426E-40dd-AFC4-6F175D3DCCD1}">
-              <a14:hiddenFill xmlns:a14="http://schemas.microsoft.com/office/drawing/2010/main" xmlns="">
+              <a14:hiddenFill xmlns="" xmlns:a14="http://schemas.microsoft.com/office/drawing/2010/main">
                 <a:solidFill>
                   <a:srgbClr val="FFFFFF"/>
                 </a:solidFill>
@@ -10911,7 +10179,7 @@
               </a:ln>
               <a:extLst>
                 <a:ext uri="{91240B29-F687-4f45-9708-019B960494DF}">
-                  <a14:hiddenLine xmlns:a14="http://schemas.microsoft.com/office/drawing/2010/main" xmlns="" w="9525">
+                  <a14:hiddenLine xmlns="" xmlns:a14="http://schemas.microsoft.com/office/drawing/2010/main" w="9525">
                     <a:solidFill>
                       <a:srgbClr val="000000"/>
                     </a:solidFill>
@@ -11001,7 +10269,7 @@
               </a:ln>
               <a:extLst>
                 <a:ext uri="{91240B29-F687-4f45-9708-019B960494DF}">
-                  <a14:hiddenLine xmlns:a14="http://schemas.microsoft.com/office/drawing/2010/main" xmlns="" w="9525">
+                  <a14:hiddenLine xmlns="" xmlns:a14="http://schemas.microsoft.com/office/drawing/2010/main" w="9525">
                     <a:solidFill>
                       <a:srgbClr val="000000"/>
                     </a:solidFill>
@@ -11091,7 +10359,7 @@
               </a:ln>
               <a:extLst>
                 <a:ext uri="{91240B29-F687-4f45-9708-019B960494DF}">
-                  <a14:hiddenLine xmlns:a14="http://schemas.microsoft.com/office/drawing/2010/main" xmlns="" w="9525">
+                  <a14:hiddenLine xmlns="" xmlns:a14="http://schemas.microsoft.com/office/drawing/2010/main" w="9525">
                     <a:solidFill>
                       <a:srgbClr val="000000"/>
                     </a:solidFill>
@@ -11153,7 +10421,7 @@
               </a:ln>
               <a:extLst>
                 <a:ext uri="{91240B29-F687-4f45-9708-019B960494DF}">
-                  <a14:hiddenLine xmlns:a14="http://schemas.microsoft.com/office/drawing/2010/main" xmlns="" w="9525">
+                  <a14:hiddenLine xmlns="" xmlns:a14="http://schemas.microsoft.com/office/drawing/2010/main" w="9525">
                     <a:solidFill>
                       <a:srgbClr val="000000"/>
                     </a:solidFill>
@@ -11243,7 +10511,7 @@
               </a:ln>
               <a:extLst>
                 <a:ext uri="{91240B29-F687-4f45-9708-019B960494DF}">
-                  <a14:hiddenLine xmlns:a14="http://schemas.microsoft.com/office/drawing/2010/main" xmlns="" w="9525">
+                  <a14:hiddenLine xmlns="" xmlns:a14="http://schemas.microsoft.com/office/drawing/2010/main" w="9525">
                     <a:solidFill>
                       <a:srgbClr val="000000"/>
                     </a:solidFill>
@@ -11305,7 +10573,7 @@
               </a:ln>
               <a:extLst>
                 <a:ext uri="{91240B29-F687-4f45-9708-019B960494DF}">
-                  <a14:hiddenLine xmlns:a14="http://schemas.microsoft.com/office/drawing/2010/main" xmlns="" w="9525">
+                  <a14:hiddenLine xmlns="" xmlns:a14="http://schemas.microsoft.com/office/drawing/2010/main" w="9525">
                     <a:solidFill>
                       <a:srgbClr val="000000"/>
                     </a:solidFill>
@@ -11367,7 +10635,7 @@
               </a:ln>
               <a:extLst>
                 <a:ext uri="{91240B29-F687-4f45-9708-019B960494DF}">
-                  <a14:hiddenLine xmlns:a14="http://schemas.microsoft.com/office/drawing/2010/main" xmlns="" w="9525">
+                  <a14:hiddenLine xmlns="" xmlns:a14="http://schemas.microsoft.com/office/drawing/2010/main" w="9525">
                     <a:solidFill>
                       <a:srgbClr val="000000"/>
                     </a:solidFill>
@@ -11457,7 +10725,7 @@
               </a:ln>
               <a:extLst>
                 <a:ext uri="{91240B29-F687-4f45-9708-019B960494DF}">
-                  <a14:hiddenLine xmlns:a14="http://schemas.microsoft.com/office/drawing/2010/main" xmlns="" w="9525">
+                  <a14:hiddenLine xmlns="" xmlns:a14="http://schemas.microsoft.com/office/drawing/2010/main" w="9525">
                     <a:solidFill>
                       <a:srgbClr val="000000"/>
                     </a:solidFill>
@@ -11547,7 +10815,7 @@
               </a:ln>
               <a:extLst>
                 <a:ext uri="{91240B29-F687-4f45-9708-019B960494DF}">
-                  <a14:hiddenLine xmlns:a14="http://schemas.microsoft.com/office/drawing/2010/main" xmlns="" w="9525">
+                  <a14:hiddenLine xmlns="" xmlns:a14="http://schemas.microsoft.com/office/drawing/2010/main" w="9525">
                     <a:solidFill>
                       <a:srgbClr val="000000"/>
                     </a:solidFill>
@@ -11609,7 +10877,7 @@
               </a:ln>
               <a:extLst>
                 <a:ext uri="{91240B29-F687-4f45-9708-019B960494DF}">
-                  <a14:hiddenLine xmlns:a14="http://schemas.microsoft.com/office/drawing/2010/main" xmlns="" w="9525">
+                  <a14:hiddenLine xmlns="" xmlns:a14="http://schemas.microsoft.com/office/drawing/2010/main" w="9525">
                     <a:solidFill>
                       <a:srgbClr val="000000"/>
                     </a:solidFill>
@@ -11719,7 +10987,7 @@
               </a:ln>
               <a:extLst>
                 <a:ext uri="{91240B29-F687-4f45-9708-019B960494DF}">
-                  <a14:hiddenLine xmlns:a14="http://schemas.microsoft.com/office/drawing/2010/main" xmlns="" w="9525">
+                  <a14:hiddenLine xmlns="" xmlns:a14="http://schemas.microsoft.com/office/drawing/2010/main" w="9525">
                     <a:solidFill>
                       <a:srgbClr val="000000"/>
                     </a:solidFill>
@@ -11803,7 +11071,7 @@
               </a:ln>
               <a:extLst>
                 <a:ext uri="{91240B29-F687-4f45-9708-019B960494DF}">
-                  <a14:hiddenLine xmlns:a14="http://schemas.microsoft.com/office/drawing/2010/main" xmlns="" w="9525">
+                  <a14:hiddenLine xmlns="" xmlns:a14="http://schemas.microsoft.com/office/drawing/2010/main" w="9525">
                     <a:solidFill>
                       <a:srgbClr val="000000"/>
                     </a:solidFill>
@@ -11865,7 +11133,7 @@
               </a:ln>
               <a:extLst>
                 <a:ext uri="{91240B29-F687-4f45-9708-019B960494DF}">
-                  <a14:hiddenLine xmlns:a14="http://schemas.microsoft.com/office/drawing/2010/main" xmlns="" w="9525">
+                  <a14:hiddenLine xmlns="" xmlns:a14="http://schemas.microsoft.com/office/drawing/2010/main" w="9525">
                     <a:solidFill>
                       <a:srgbClr val="000000"/>
                     </a:solidFill>
@@ -11927,7 +11195,7 @@
               </a:ln>
               <a:extLst>
                 <a:ext uri="{91240B29-F687-4f45-9708-019B960494DF}">
-                  <a14:hiddenLine xmlns:a14="http://schemas.microsoft.com/office/drawing/2010/main" xmlns="" w="9525">
+                  <a14:hiddenLine xmlns="" xmlns:a14="http://schemas.microsoft.com/office/drawing/2010/main" w="9525">
                     <a:solidFill>
                       <a:srgbClr val="000000"/>
                     </a:solidFill>
@@ -12017,7 +11285,7 @@
               </a:ln>
               <a:extLst>
                 <a:ext uri="{91240B29-F687-4f45-9708-019B960494DF}">
-                  <a14:hiddenLine xmlns:a14="http://schemas.microsoft.com/office/drawing/2010/main" xmlns="" w="9525">
+                  <a14:hiddenLine xmlns="" xmlns:a14="http://schemas.microsoft.com/office/drawing/2010/main" w="9525">
                     <a:solidFill>
                       <a:srgbClr val="000000"/>
                     </a:solidFill>
@@ -12051,7 +11319,7 @@
               </a:ln>
               <a:extLst>
                 <a:ext uri="{91240B29-F687-4f45-9708-019B960494DF}">
-                  <a14:hiddenLine xmlns:a14="http://schemas.microsoft.com/office/drawing/2010/main" xmlns="" w="9525">
+                  <a14:hiddenLine xmlns="" xmlns:a14="http://schemas.microsoft.com/office/drawing/2010/main" w="9525">
                     <a:solidFill>
                       <a:srgbClr val="000000"/>
                     </a:solidFill>
@@ -12116,7 +11384,7 @@
               </a:ln>
               <a:extLst>
                 <a:ext uri="{91240B29-F687-4f45-9708-019B960494DF}">
-                  <a14:hiddenLine xmlns:a14="http://schemas.microsoft.com/office/drawing/2010/main" xmlns="" w="9525">
+                  <a14:hiddenLine xmlns="" xmlns:a14="http://schemas.microsoft.com/office/drawing/2010/main" w="9525">
                     <a:solidFill>
                       <a:srgbClr val="000000"/>
                     </a:solidFill>
@@ -12206,7 +11474,7 @@
               </a:ln>
               <a:extLst>
                 <a:ext uri="{91240B29-F687-4f45-9708-019B960494DF}">
-                  <a14:hiddenLine xmlns:a14="http://schemas.microsoft.com/office/drawing/2010/main" xmlns="" w="9525">
+                  <a14:hiddenLine xmlns="" xmlns:a14="http://schemas.microsoft.com/office/drawing/2010/main" w="9525">
                     <a:solidFill>
                       <a:srgbClr val="000000"/>
                     </a:solidFill>
@@ -12268,7 +11536,7 @@
               </a:ln>
               <a:extLst>
                 <a:ext uri="{91240B29-F687-4f45-9708-019B960494DF}">
-                  <a14:hiddenLine xmlns:a14="http://schemas.microsoft.com/office/drawing/2010/main" xmlns="" w="9525">
+                  <a14:hiddenLine xmlns="" xmlns:a14="http://schemas.microsoft.com/office/drawing/2010/main" w="9525">
                     <a:solidFill>
                       <a:srgbClr val="000000"/>
                     </a:solidFill>
@@ -12358,7 +11626,7 @@
               </a:ln>
               <a:extLst>
                 <a:ext uri="{91240B29-F687-4f45-9708-019B960494DF}">
-                  <a14:hiddenLine xmlns:a14="http://schemas.microsoft.com/office/drawing/2010/main" xmlns="" w="9525">
+                  <a14:hiddenLine xmlns="" xmlns:a14="http://schemas.microsoft.com/office/drawing/2010/main" w="9525">
                     <a:solidFill>
                       <a:srgbClr val="000000"/>
                     </a:solidFill>
@@ -12423,7 +11691,7 @@
               </a:ln>
               <a:extLst>
                 <a:ext uri="{91240B29-F687-4f45-9708-019B960494DF}">
-                  <a14:hiddenLine xmlns:a14="http://schemas.microsoft.com/office/drawing/2010/main" xmlns="" w="9525">
+                  <a14:hiddenLine xmlns="" xmlns:a14="http://schemas.microsoft.com/office/drawing/2010/main" w="9525">
                     <a:solidFill>
                       <a:srgbClr val="000000"/>
                     </a:solidFill>
@@ -12485,7 +11753,7 @@
               </a:ln>
               <a:extLst>
                 <a:ext uri="{91240B29-F687-4f45-9708-019B960494DF}">
-                  <a14:hiddenLine xmlns:a14="http://schemas.microsoft.com/office/drawing/2010/main" xmlns="" w="9525">
+                  <a14:hiddenLine xmlns="" xmlns:a14="http://schemas.microsoft.com/office/drawing/2010/main" w="9525">
                     <a:solidFill>
                       <a:srgbClr val="000000"/>
                     </a:solidFill>
@@ -12575,7 +11843,7 @@
               </a:ln>
               <a:extLst>
                 <a:ext uri="{91240B29-F687-4f45-9708-019B960494DF}">
-                  <a14:hiddenLine xmlns:a14="http://schemas.microsoft.com/office/drawing/2010/main" xmlns="" w="9525">
+                  <a14:hiddenLine xmlns="" xmlns:a14="http://schemas.microsoft.com/office/drawing/2010/main" w="9525">
                     <a:solidFill>
                       <a:srgbClr val="000000"/>
                     </a:solidFill>
@@ -12665,7 +11933,7 @@
               </a:ln>
               <a:extLst>
                 <a:ext uri="{91240B29-F687-4f45-9708-019B960494DF}">
-                  <a14:hiddenLine xmlns:a14="http://schemas.microsoft.com/office/drawing/2010/main" xmlns="" w="9525">
+                  <a14:hiddenLine xmlns="" xmlns:a14="http://schemas.microsoft.com/office/drawing/2010/main" w="9525">
                     <a:solidFill>
                       <a:srgbClr val="000000"/>
                     </a:solidFill>
@@ -12730,7 +11998,7 @@
               </a:ln>
               <a:extLst>
                 <a:ext uri="{91240B29-F687-4f45-9708-019B960494DF}">
-                  <a14:hiddenLine xmlns:a14="http://schemas.microsoft.com/office/drawing/2010/main" xmlns="" w="9525">
+                  <a14:hiddenLine xmlns="" xmlns:a14="http://schemas.microsoft.com/office/drawing/2010/main" w="9525">
                     <a:solidFill>
                       <a:srgbClr val="000000"/>
                     </a:solidFill>
@@ -12850,7 +12118,7 @@
               </a:ln>
               <a:extLst>
                 <a:ext uri="{91240B29-F687-4f45-9708-019B960494DF}">
-                  <a14:hiddenLine xmlns:a14="http://schemas.microsoft.com/office/drawing/2010/main" xmlns="" w="9525">
+                  <a14:hiddenLine xmlns="" xmlns:a14="http://schemas.microsoft.com/office/drawing/2010/main" w="9525">
                     <a:solidFill>
                       <a:srgbClr val="000000"/>
                     </a:solidFill>
@@ -12948,7 +12216,7 @@
               </a:ln>
               <a:extLst>
                 <a:ext uri="{91240B29-F687-4f45-9708-019B960494DF}">
-                  <a14:hiddenLine xmlns:a14="http://schemas.microsoft.com/office/drawing/2010/main" xmlns="" w="9525">
+                  <a14:hiddenLine xmlns="" xmlns:a14="http://schemas.microsoft.com/office/drawing/2010/main" w="9525">
                     <a:solidFill>
                       <a:srgbClr val="000000"/>
                     </a:solidFill>
@@ -13063,7 +12331,7 @@
               </a:ln>
               <a:extLst>
                 <a:ext uri="{91240B29-F687-4f45-9708-019B960494DF}">
-                  <a14:hiddenLine xmlns:a14="http://schemas.microsoft.com/office/drawing/2010/main" xmlns="" w="9525">
+                  <a14:hiddenLine xmlns="" xmlns:a14="http://schemas.microsoft.com/office/drawing/2010/main" w="9525">
                     <a:solidFill>
                       <a:srgbClr val="000000"/>
                     </a:solidFill>
@@ -13153,7 +12421,7 @@
               </a:ln>
               <a:extLst>
                 <a:ext uri="{91240B29-F687-4f45-9708-019B960494DF}">
-                  <a14:hiddenLine xmlns:a14="http://schemas.microsoft.com/office/drawing/2010/main" xmlns="" w="9525">
+                  <a14:hiddenLine xmlns="" xmlns:a14="http://schemas.microsoft.com/office/drawing/2010/main" w="9525">
                     <a:solidFill>
                       <a:srgbClr val="000000"/>
                     </a:solidFill>
@@ -13218,7 +12486,7 @@
               </a:ln>
               <a:extLst>
                 <a:ext uri="{91240B29-F687-4f45-9708-019B960494DF}">
-                  <a14:hiddenLine xmlns:a14="http://schemas.microsoft.com/office/drawing/2010/main" xmlns="" w="9525">
+                  <a14:hiddenLine xmlns="" xmlns:a14="http://schemas.microsoft.com/office/drawing/2010/main" w="9525">
                     <a:solidFill>
                       <a:srgbClr val="000000"/>
                     </a:solidFill>
@@ -13308,7 +12576,7 @@
               </a:ln>
               <a:extLst>
                 <a:ext uri="{91240B29-F687-4f45-9708-019B960494DF}">
-                  <a14:hiddenLine xmlns:a14="http://schemas.microsoft.com/office/drawing/2010/main" xmlns="" w="9525">
+                  <a14:hiddenLine xmlns="" xmlns:a14="http://schemas.microsoft.com/office/drawing/2010/main" w="9525">
                     <a:solidFill>
                       <a:srgbClr val="000000"/>
                     </a:solidFill>
@@ -13376,7 +12644,7 @@
               </a:ln>
               <a:extLst>
                 <a:ext uri="{91240B29-F687-4f45-9708-019B960494DF}">
-                  <a14:hiddenLine xmlns:a14="http://schemas.microsoft.com/office/drawing/2010/main" xmlns="" w="9525">
+                  <a14:hiddenLine xmlns="" xmlns:a14="http://schemas.microsoft.com/office/drawing/2010/main" w="9525">
                     <a:solidFill>
                       <a:srgbClr val="000000"/>
                     </a:solidFill>
@@ -13466,7 +12734,7 @@
               </a:ln>
               <a:extLst>
                 <a:ext uri="{91240B29-F687-4f45-9708-019B960494DF}">
-                  <a14:hiddenLine xmlns:a14="http://schemas.microsoft.com/office/drawing/2010/main" xmlns="" w="9525">
+                  <a14:hiddenLine xmlns="" xmlns:a14="http://schemas.microsoft.com/office/drawing/2010/main" w="9525">
                     <a:solidFill>
                       <a:srgbClr val="000000"/>
                     </a:solidFill>
@@ -13534,7 +12802,7 @@
               </a:ln>
               <a:extLst>
                 <a:ext uri="{91240B29-F687-4f45-9708-019B960494DF}">
-                  <a14:hiddenLine xmlns:a14="http://schemas.microsoft.com/office/drawing/2010/main" xmlns="" w="9525">
+                  <a14:hiddenLine xmlns="" xmlns:a14="http://schemas.microsoft.com/office/drawing/2010/main" w="9525">
                     <a:solidFill>
                       <a:srgbClr val="000000"/>
                     </a:solidFill>
@@ -13624,7 +12892,7 @@
               </a:ln>
               <a:extLst>
                 <a:ext uri="{91240B29-F687-4f45-9708-019B960494DF}">
-                  <a14:hiddenLine xmlns:a14="http://schemas.microsoft.com/office/drawing/2010/main" xmlns="" w="9525">
+                  <a14:hiddenLine xmlns="" xmlns:a14="http://schemas.microsoft.com/office/drawing/2010/main" w="9525">
                     <a:solidFill>
                       <a:srgbClr val="000000"/>
                     </a:solidFill>
@@ -13658,7 +12926,7 @@
               </a:ln>
               <a:extLst>
                 <a:ext uri="{91240B29-F687-4f45-9708-019B960494DF}">
-                  <a14:hiddenLine xmlns:a14="http://schemas.microsoft.com/office/drawing/2010/main" xmlns="" w="9525">
+                  <a14:hiddenLine xmlns="" xmlns:a14="http://schemas.microsoft.com/office/drawing/2010/main" w="9525">
                     <a:solidFill>
                       <a:srgbClr val="000000"/>
                     </a:solidFill>
@@ -13798,7 +13066,7 @@
           <a:p>
             <a:fld id="{5AC81717-1A04-4B1F-9D2B-633764D48F6F}" type="datetimeFigureOut">
               <a:rPr lang="en-US" smtClean="0"/>
-              <a:t>3/4/2023</a:t>
+              <a:t>3/8/2023</a:t>
             </a:fld>
             <a:endParaRPr lang="en-US"/>
           </a:p>
@@ -14229,6 +13497,35 @@
           <a:chExt cx="0" cy="0"/>
         </a:xfrm>
       </p:grpSpPr>
+      <p:sp>
+        <p:nvSpPr>
+          <p:cNvPr id="3" name="TextBox 2"/>
+          <p:cNvSpPr txBox="1"/>
+          <p:nvPr/>
+        </p:nvSpPr>
+        <p:spPr>
+          <a:xfrm>
+            <a:off x="3666837" y="1311562"/>
+            <a:ext cx="5745018" cy="707886"/>
+          </a:xfrm>
+          <a:prstGeom prst="rect">
+            <a:avLst/>
+          </a:prstGeom>
+          <a:noFill/>
+        </p:spPr>
+        <p:txBody>
+          <a:bodyPr wrap="square" rtlCol="0">
+            <a:spAutoFit/>
+          </a:bodyPr>
+          <a:lstStyle/>
+          <a:p>
+            <a:r>
+              <a:rPr lang="en-US" sz="4000" dirty="0"/>
+              <a:t>DAILY JOGGING REPORT</a:t>
+            </a:r>
+          </a:p>
+        </p:txBody>
+      </p:sp>
     </p:spTree>
     <p:extLst>
       <p:ext uri="{BB962C8B-B14F-4D97-AF65-F5344CB8AC3E}">
@@ -14272,19 +13569,19 @@
       </p:grpSpPr>
       <p:graphicFrame>
         <p:nvGraphicFramePr>
-          <p:cNvPr id="7" name="Chart 6"/>
+          <p:cNvPr id="4" name="Chart 3"/>
           <p:cNvGraphicFramePr/>
           <p:nvPr>
             <p:extLst>
               <p:ext uri="{D42A27DB-BD31-4B8C-83A1-F6EECF244321}">
-                <p14:modId xmlns:p14="http://schemas.microsoft.com/office/powerpoint/2010/main" val="2664240864"/>
+                <p14:modId xmlns:p14="http://schemas.microsoft.com/office/powerpoint/2010/main" val="2789710621"/>
               </p:ext>
             </p:extLst>
           </p:nvPr>
         </p:nvGraphicFramePr>
         <p:xfrm>
-          <a:off x="2192020" y="639656"/>
-          <a:ext cx="7717790" cy="5623984"/>
+          <a:off x="2755207" y="736291"/>
+          <a:ext cx="8128000" cy="5418667"/>
         </p:xfrm>
         <a:graphic>
           <a:graphicData uri="http://schemas.openxmlformats.org/drawingml/2006/chart">
